--- a/s1_getting_started/lecture/course_intro.pptx
+++ b/s1_getting_started/lecture/course_intro.pptx
@@ -5,22 +5,21 @@
     <p:sldMasterId id="2147483648" r:id="rId1"/>
   </p:sldMasterIdLst>
   <p:notesMasterIdLst>
-    <p:notesMasterId r:id="rId12"/>
+    <p:notesMasterId r:id="rId11"/>
   </p:notesMasterIdLst>
   <p:handoutMasterIdLst>
-    <p:handoutMasterId r:id="rId13"/>
+    <p:handoutMasterId r:id="rId12"/>
   </p:handoutMasterIdLst>
   <p:sldIdLst>
     <p:sldId id="256" r:id="rId2"/>
     <p:sldId id="266" r:id="rId3"/>
-    <p:sldId id="274" r:id="rId4"/>
-    <p:sldId id="268" r:id="rId5"/>
-    <p:sldId id="272" r:id="rId6"/>
-    <p:sldId id="264" r:id="rId7"/>
-    <p:sldId id="265" r:id="rId8"/>
-    <p:sldId id="275" r:id="rId9"/>
-    <p:sldId id="269" r:id="rId10"/>
-    <p:sldId id="273" r:id="rId11"/>
+    <p:sldId id="268" r:id="rId4"/>
+    <p:sldId id="272" r:id="rId5"/>
+    <p:sldId id="264" r:id="rId6"/>
+    <p:sldId id="265" r:id="rId7"/>
+    <p:sldId id="275" r:id="rId8"/>
+    <p:sldId id="269" r:id="rId9"/>
+    <p:sldId id="273" r:id="rId10"/>
   </p:sldIdLst>
   <p:sldSz cx="12192000" cy="6858000"/>
   <p:notesSz cx="6858000" cy="9144000"/>
@@ -224,7 +223,7 @@
           <a:p>
             <a:fld id="{D75CAE95-D2DD-4998-876A-092BFD628C65}" type="datetimeFigureOut">
               <a:rPr lang="da-DK" smtClean="0"/>
-              <a:t>06-12-2021</a:t>
+              <a:t>02-01-2022</a:t>
             </a:fld>
             <a:endParaRPr lang="da-DK"/>
           </a:p>
@@ -402,7 +401,7 @@
           <a:p>
             <a:fld id="{1DA8E099-58AA-4136-B409-1CAD1943D842}" type="datetimeFigureOut">
               <a:rPr lang="da-DK" smtClean="0"/>
-              <a:t>06-12-2021</a:t>
+              <a:t>02-01-2022</a:t>
             </a:fld>
             <a:endParaRPr lang="da-DK"/>
           </a:p>
@@ -820,7 +819,7 @@
           <a:p>
             <a:fld id="{C85334AD-9960-4065-BF34-86ED0345A76D}" type="datetime1">
               <a:rPr lang="en-US" smtClean="0"/>
-              <a:t>12/6/2021</a:t>
+              <a:t>1/2/2022</a:t>
             </a:fld>
             <a:endParaRPr lang="da-DK"/>
           </a:p>
@@ -1059,7 +1058,7 @@
           <a:p>
             <a:fld id="{C5669758-3775-48D7-A841-693E908C3BF4}" type="datetime1">
               <a:rPr lang="en-US" smtClean="0"/>
-              <a:t>12/6/2021</a:t>
+              <a:t>1/2/2022</a:t>
             </a:fld>
             <a:endParaRPr lang="da-DK"/>
           </a:p>
@@ -1272,7 +1271,7 @@
           <a:p>
             <a:fld id="{1E0C3FF1-EDBD-4F2A-8366-34A4E3728310}" type="datetime1">
               <a:rPr lang="en-US" smtClean="0"/>
-              <a:t>12/6/2021</a:t>
+              <a:t>1/2/2022</a:t>
             </a:fld>
             <a:endParaRPr lang="da-DK"/>
           </a:p>
@@ -1493,7 +1492,7 @@
           <a:p>
             <a:fld id="{019E29B9-5584-4737-9C98-1B926378C778}" type="datetime1">
               <a:rPr lang="en-US" smtClean="0"/>
-              <a:t>12/6/2021</a:t>
+              <a:t>1/2/2022</a:t>
             </a:fld>
             <a:endParaRPr lang="da-DK"/>
           </a:p>
@@ -1808,7 +1807,7 @@
           <a:p>
             <a:fld id="{FCE38F03-F67D-4508-A858-99FCD085087C}" type="datetime1">
               <a:rPr lang="en-US" smtClean="0"/>
-              <a:t>12/6/2021</a:t>
+              <a:t>1/2/2022</a:t>
             </a:fld>
             <a:endParaRPr lang="da-DK"/>
           </a:p>
@@ -2079,7 +2078,7 @@
           <a:p>
             <a:fld id="{B43F2930-3FFD-4F93-A4BD-4F0D1A0B4514}" type="datetime1">
               <a:rPr lang="en-US" smtClean="0"/>
-              <a:t>12/6/2021</a:t>
+              <a:t>1/2/2022</a:t>
             </a:fld>
             <a:endParaRPr lang="da-DK"/>
           </a:p>
@@ -2497,7 +2496,7 @@
           <a:p>
             <a:fld id="{8E0F9B9B-30CC-4693-8E0F-1A94A979E2C5}" type="datetime1">
               <a:rPr lang="en-US" smtClean="0"/>
-              <a:t>12/6/2021</a:t>
+              <a:t>1/2/2022</a:t>
             </a:fld>
             <a:endParaRPr lang="da-DK"/>
           </a:p>
@@ -2642,7 +2641,7 @@
           <a:p>
             <a:fld id="{6FE1433B-E6A7-44FF-8B55-539471B4D7C5}" type="datetime1">
               <a:rPr lang="en-US" smtClean="0"/>
-              <a:t>12/6/2021</a:t>
+              <a:t>1/2/2022</a:t>
             </a:fld>
             <a:endParaRPr lang="da-DK"/>
           </a:p>
@@ -2758,7 +2757,7 @@
           <a:p>
             <a:fld id="{624F4001-6A8C-42DA-824F-B5CC1375B861}" type="datetime1">
               <a:rPr lang="en-US" smtClean="0"/>
-              <a:t>12/6/2021</a:t>
+              <a:t>1/2/2022</a:t>
             </a:fld>
             <a:endParaRPr lang="da-DK"/>
           </a:p>
@@ -3074,7 +3073,7 @@
           <a:p>
             <a:fld id="{2D3BE137-2C5E-4078-8BA2-7D42D7E67218}" type="datetime1">
               <a:rPr lang="en-US" smtClean="0"/>
-              <a:t>12/6/2021</a:t>
+              <a:t>1/2/2022</a:t>
             </a:fld>
             <a:endParaRPr lang="da-DK"/>
           </a:p>
@@ -3366,7 +3365,7 @@
           <a:p>
             <a:fld id="{0D1436FF-56D3-4E93-92E8-71121EAB120E}" type="datetime1">
               <a:rPr lang="en-US" smtClean="0"/>
-              <a:t>12/6/2021</a:t>
+              <a:t>1/2/2022</a:t>
             </a:fld>
             <a:endParaRPr lang="da-DK"/>
           </a:p>
@@ -3612,7 +3611,7 @@
           <a:p>
             <a:fld id="{16601EF2-4BCA-4009-ACCF-B97F259DEF6F}" type="datetime1">
               <a:rPr lang="en-US" smtClean="0"/>
-              <a:t>12/6/2021</a:t>
+              <a:t>1/2/2022</a:t>
             </a:fld>
             <a:endParaRPr lang="da-DK"/>
           </a:p>
@@ -4134,241 +4133,6 @@
 </p:sld>
 </file>
 
-<file path=ppt/slides/slide10.xml><?xml version="1.0" encoding="utf-8"?>
-<p:sld xmlns:a="http://schemas.openxmlformats.org/drawingml/2006/main" xmlns:r="http://schemas.openxmlformats.org/officeDocument/2006/relationships" xmlns:p="http://schemas.openxmlformats.org/presentationml/2006/main">
-  <p:cSld>
-    <p:spTree>
-      <p:nvGrpSpPr>
-        <p:cNvPr id="1" name=""/>
-        <p:cNvGrpSpPr/>
-        <p:nvPr/>
-      </p:nvGrpSpPr>
-      <p:grpSpPr>
-        <a:xfrm>
-          <a:off x="0" y="0"/>
-          <a:ext cx="0" cy="0"/>
-          <a:chOff x="0" y="0"/>
-          <a:chExt cx="0" cy="0"/>
-        </a:xfrm>
-      </p:grpSpPr>
-      <p:sp>
-        <p:nvSpPr>
-          <p:cNvPr id="2" name="Title 1">
-            <a:extLst>
-              <a:ext uri="{FF2B5EF4-FFF2-40B4-BE49-F238E27FC236}">
-                <a16:creationId xmlns:a16="http://schemas.microsoft.com/office/drawing/2014/main" id="{D5776909-332E-43EF-99CC-7D65F13E66F1}"/>
-              </a:ext>
-            </a:extLst>
-          </p:cNvPr>
-          <p:cNvSpPr>
-            <a:spLocks noGrp="1"/>
-          </p:cNvSpPr>
-          <p:nvPr>
-            <p:ph type="title"/>
-          </p:nvPr>
-        </p:nvSpPr>
-        <p:spPr/>
-        <p:txBody>
-          <a:bodyPr/>
-          <a:lstStyle/>
-          <a:p>
-            <a:r>
-              <a:rPr lang="da-DK" dirty="0"/>
-              <a:t>A note on the projects</a:t>
-            </a:r>
-            <a:endParaRPr lang="en-US" dirty="0"/>
-          </a:p>
-        </p:txBody>
-      </p:sp>
-      <p:sp>
-        <p:nvSpPr>
-          <p:cNvPr id="3" name="Content Placeholder 2">
-            <a:extLst>
-              <a:ext uri="{FF2B5EF4-FFF2-40B4-BE49-F238E27FC236}">
-                <a16:creationId xmlns:a16="http://schemas.microsoft.com/office/drawing/2014/main" id="{CCA389F8-7821-4546-BDF1-366DB5770C77}"/>
-              </a:ext>
-            </a:extLst>
-          </p:cNvPr>
-          <p:cNvSpPr>
-            <a:spLocks noGrp="1"/>
-          </p:cNvSpPr>
-          <p:nvPr>
-            <p:ph idx="1"/>
-          </p:nvPr>
-        </p:nvSpPr>
-        <p:spPr/>
-        <p:txBody>
-          <a:bodyPr/>
-          <a:lstStyle/>
-          <a:p>
-            <a:r>
-              <a:rPr lang="da-DK" dirty="0"/>
-              <a:t>Approxemately 1/3 of the course time is spend on project work</a:t>
-            </a:r>
-          </a:p>
-          <a:p>
-            <a:r>
-              <a:rPr lang="da-DK" dirty="0"/>
-              <a:t>More info here:</a:t>
-            </a:r>
-          </a:p>
-          <a:p>
-            <a:pPr marL="457200" lvl="1" indent="0">
-              <a:buNone/>
-            </a:pPr>
-            <a:r>
-              <a:rPr lang="en-US" dirty="0">
-                <a:hlinkClick r:id="rId2"/>
-              </a:rPr>
-              <a:t>https://skaftenicki.github.io/dtu_mlops/projects</a:t>
-            </a:r>
-            <a:endParaRPr lang="da-DK" dirty="0"/>
-          </a:p>
-          <a:p>
-            <a:pPr marL="457200" lvl="1" indent="0">
-              <a:buNone/>
-            </a:pPr>
-            <a:endParaRPr lang="da-DK" dirty="0"/>
-          </a:p>
-          <a:p>
-            <a:r>
-              <a:rPr lang="da-DK" dirty="0"/>
-              <a:t>Already now you are recommende to think about forming groups of</a:t>
-            </a:r>
-          </a:p>
-          <a:p>
-            <a:pPr lvl="1"/>
-            <a:r>
-              <a:rPr lang="da-DK" dirty="0"/>
-              <a:t>4 people</a:t>
-            </a:r>
-          </a:p>
-          <a:p>
-            <a:pPr lvl="1"/>
-            <a:r>
-              <a:rPr lang="da-DK" dirty="0"/>
-              <a:t>3 and 5 is also acceptable</a:t>
-            </a:r>
-          </a:p>
-          <a:p>
-            <a:pPr lvl="1"/>
-            <a:endParaRPr lang="da-DK" dirty="0"/>
-          </a:p>
-          <a:p>
-            <a:r>
-              <a:rPr lang="da-DK" dirty="0"/>
-              <a:t>Thursday we will do some speeddating to form groups for people not already having one. Also feel free to write in the </a:t>
-            </a:r>
-            <a:r>
-              <a:rPr lang="da-DK" i="1" dirty="0"/>
-              <a:t>#find-a-group </a:t>
-            </a:r>
-            <a:r>
-              <a:rPr lang="da-DK" dirty="0"/>
-              <a:t>slack channel.</a:t>
-            </a:r>
-          </a:p>
-        </p:txBody>
-      </p:sp>
-      <p:sp>
-        <p:nvSpPr>
-          <p:cNvPr id="4" name="Date Placeholder 3">
-            <a:extLst>
-              <a:ext uri="{FF2B5EF4-FFF2-40B4-BE49-F238E27FC236}">
-                <a16:creationId xmlns:a16="http://schemas.microsoft.com/office/drawing/2014/main" id="{78B23B9D-E024-4494-A213-E5070EF86F30}"/>
-              </a:ext>
-            </a:extLst>
-          </p:cNvPr>
-          <p:cNvSpPr>
-            <a:spLocks noGrp="1"/>
-          </p:cNvSpPr>
-          <p:nvPr>
-            <p:ph type="dt" sz="half" idx="10"/>
-          </p:nvPr>
-        </p:nvSpPr>
-        <p:spPr/>
-        <p:txBody>
-          <a:bodyPr/>
-          <a:lstStyle/>
-          <a:p>
-            <a:fld id="{019E29B9-5584-4737-9C98-1B926378C778}" type="datetime1">
-              <a:rPr lang="en-US" smtClean="0"/>
-              <a:t>12/6/2021</a:t>
-            </a:fld>
-            <a:endParaRPr lang="da-DK"/>
-          </a:p>
-        </p:txBody>
-      </p:sp>
-      <p:sp>
-        <p:nvSpPr>
-          <p:cNvPr id="5" name="Footer Placeholder 4">
-            <a:extLst>
-              <a:ext uri="{FF2B5EF4-FFF2-40B4-BE49-F238E27FC236}">
-                <a16:creationId xmlns:a16="http://schemas.microsoft.com/office/drawing/2014/main" id="{510AA177-8123-47FD-B589-349C1E2C0AF5}"/>
-              </a:ext>
-            </a:extLst>
-          </p:cNvPr>
-          <p:cNvSpPr>
-            <a:spLocks noGrp="1"/>
-          </p:cNvSpPr>
-          <p:nvPr>
-            <p:ph type="ftr" sz="quarter" idx="11"/>
-          </p:nvPr>
-        </p:nvSpPr>
-        <p:spPr/>
-        <p:txBody>
-          <a:bodyPr/>
-          <a:lstStyle/>
-          <a:p>
-            <a:r>
-              <a:rPr lang="da-DK"/>
-              <a:t>Nicki Skafte Detlefsen</a:t>
-            </a:r>
-          </a:p>
-        </p:txBody>
-      </p:sp>
-      <p:sp>
-        <p:nvSpPr>
-          <p:cNvPr id="6" name="Slide Number Placeholder 5">
-            <a:extLst>
-              <a:ext uri="{FF2B5EF4-FFF2-40B4-BE49-F238E27FC236}">
-                <a16:creationId xmlns:a16="http://schemas.microsoft.com/office/drawing/2014/main" id="{55ED8A0C-70B7-415B-9708-0503B6F9BB30}"/>
-              </a:ext>
-            </a:extLst>
-          </p:cNvPr>
-          <p:cNvSpPr>
-            <a:spLocks noGrp="1"/>
-          </p:cNvSpPr>
-          <p:nvPr>
-            <p:ph type="sldNum" sz="quarter" idx="12"/>
-          </p:nvPr>
-        </p:nvSpPr>
-        <p:spPr/>
-        <p:txBody>
-          <a:bodyPr/>
-          <a:lstStyle/>
-          <a:p>
-            <a:fld id="{F6FEDE24-D50C-481B-A7B4-8AF13899101A}" type="slidenum">
-              <a:rPr lang="da-DK" smtClean="0"/>
-              <a:t>10</a:t>
-            </a:fld>
-            <a:endParaRPr lang="da-DK"/>
-          </a:p>
-        </p:txBody>
-      </p:sp>
-    </p:spTree>
-    <p:extLst>
-      <p:ext uri="{BB962C8B-B14F-4D97-AF65-F5344CB8AC3E}">
-        <p14:creationId xmlns:p14="http://schemas.microsoft.com/office/powerpoint/2010/main" val="53792939"/>
-      </p:ext>
-    </p:extLst>
-  </p:cSld>
-  <p:clrMapOvr>
-    <a:masterClrMapping/>
-  </p:clrMapOvr>
-</p:sld>
-</file>
-
 <file path=ppt/slides/slide2.xml><?xml version="1.0" encoding="utf-8"?>
 <p:sld xmlns:a="http://schemas.openxmlformats.org/drawingml/2006/main" xmlns:r="http://schemas.openxmlformats.org/officeDocument/2006/relationships" xmlns:p="http://schemas.openxmlformats.org/presentationml/2006/main">
   <p:cSld>
@@ -4488,7 +4252,7 @@
           <a:p>
             <a:fld id="{019E29B9-5584-4737-9C98-1B926378C778}" type="datetime1">
               <a:rPr lang="en-US" smtClean="0"/>
-              <a:t>12/6/2021</a:t>
+              <a:t>1/2/2022</a:t>
             </a:fld>
             <a:endParaRPr lang="da-DK"/>
           </a:p>
@@ -4616,7 +4380,7 @@
           <p:cNvPr id="2" name="Title 1">
             <a:extLst>
               <a:ext uri="{FF2B5EF4-FFF2-40B4-BE49-F238E27FC236}">
-                <a16:creationId xmlns:a16="http://schemas.microsoft.com/office/drawing/2014/main" id="{58E8D4BB-C1B6-4E67-BC86-91F58450B639}"/>
+                <a16:creationId xmlns:a16="http://schemas.microsoft.com/office/drawing/2014/main" id="{C05B36BC-3113-4CDC-96A0-4FEA73123AA1}"/>
               </a:ext>
             </a:extLst>
           </p:cNvPr>
@@ -4634,7 +4398,7 @@
           <a:p>
             <a:r>
               <a:rPr lang="da-DK" dirty="0"/>
-              <a:t>Who am I?</a:t>
+              <a:t>Course settings</a:t>
             </a:r>
           </a:p>
         </p:txBody>
@@ -4644,7 +4408,7 @@
           <p:cNvPr id="3" name="Content Placeholder 2">
             <a:extLst>
               <a:ext uri="{FF2B5EF4-FFF2-40B4-BE49-F238E27FC236}">
-                <a16:creationId xmlns:a16="http://schemas.microsoft.com/office/drawing/2014/main" id="{702EBF8C-6488-4012-A097-7D5B455A9DAC}"/>
+                <a16:creationId xmlns:a16="http://schemas.microsoft.com/office/drawing/2014/main" id="{34D039C6-9870-4251-A8E1-AE19834E1076}"/>
               </a:ext>
             </a:extLst>
           </p:cNvPr>
@@ -4655,38 +4419,71 @@
             <p:ph idx="1"/>
           </p:nvPr>
         </p:nvSpPr>
-        <p:spPr>
-          <a:xfrm>
-            <a:off x="838200" y="1343608"/>
-            <a:ext cx="3948404" cy="4833355"/>
-          </a:xfrm>
-        </p:spPr>
-        <p:txBody>
-          <a:bodyPr/>
-          <a:lstStyle/>
-          <a:p>
-            <a:r>
-              <a:rPr lang="da-DK" dirty="0"/>
-              <a:t>Bachelor, Master and PhD from DTU</a:t>
-            </a:r>
-          </a:p>
-          <a:p>
-            <a:r>
-              <a:rPr lang="da-DK" dirty="0"/>
-              <a:t>Currently: Postdoc at section for cognitive systems</a:t>
-            </a:r>
-          </a:p>
-          <a:p>
-            <a:r>
-              <a:rPr lang="da-DK" dirty="0"/>
-              <a:t>Focus: Inductive biases in deep learning</a:t>
-            </a:r>
-          </a:p>
-          <a:p>
-            <a:r>
-              <a:rPr lang="da-DK" dirty="0"/>
-              <a:t>Eager open-source contributer</a:t>
-            </a:r>
+        <p:spPr/>
+        <p:txBody>
+          <a:bodyPr>
+            <a:normAutofit lnSpcReduction="10000"/>
+          </a:bodyPr>
+          <a:lstStyle/>
+          <a:p>
+            <a:r>
+              <a:rPr lang="en-US" dirty="0"/>
+              <a:t>5 ECTS</a:t>
+            </a:r>
+          </a:p>
+          <a:p>
+            <a:r>
+              <a:rPr lang="en-US" dirty="0"/>
+              <a:t>3 weeks period</a:t>
+            </a:r>
+          </a:p>
+          <a:p>
+            <a:r>
+              <a:rPr lang="en-US" dirty="0"/>
+              <a:t>Level: Master</a:t>
+            </a:r>
+          </a:p>
+          <a:p>
+            <a:r>
+              <a:rPr lang="en-US" dirty="0"/>
+              <a:t>Grade: Pass/not passed</a:t>
+            </a:r>
+          </a:p>
+          <a:p>
+            <a:r>
+              <a:rPr lang="en-US" dirty="0"/>
+              <a:t>Type of assessment: hand-in off code + weekly project updates + final oral examination/presentation</a:t>
+            </a:r>
+          </a:p>
+          <a:p>
+            <a:r>
+              <a:rPr lang="en-US" dirty="0"/>
+              <a:t>Recommended prerequisites: 02456 (Deep Learning) or</a:t>
+            </a:r>
+          </a:p>
+          <a:p>
+            <a:pPr lvl="1"/>
+            <a:r>
+              <a:rPr lang="en-US" dirty="0"/>
+              <a:t>General understanding of machine learning (datasets, probability, classifiers, overfitting etc..) and </a:t>
+            </a:r>
+          </a:p>
+          <a:p>
+            <a:pPr lvl="1"/>
+            <a:r>
+              <a:rPr lang="en-US" dirty="0"/>
+              <a:t>Basic knowledge about deep learning (backpropagation, convolutional neural network, auto-encoders etc..)</a:t>
+            </a:r>
+          </a:p>
+          <a:p>
+            <a:pPr lvl="1"/>
+            <a:r>
+              <a:rPr lang="en-US" dirty="0"/>
+              <a:t>Coding in Pytorch</a:t>
+            </a:r>
+          </a:p>
+          <a:p>
+            <a:endParaRPr lang="da-DK" dirty="0"/>
           </a:p>
         </p:txBody>
       </p:sp>
@@ -4695,7 +4492,7 @@
           <p:cNvPr id="4" name="Date Placeholder 3">
             <a:extLst>
               <a:ext uri="{FF2B5EF4-FFF2-40B4-BE49-F238E27FC236}">
-                <a16:creationId xmlns:a16="http://schemas.microsoft.com/office/drawing/2014/main" id="{D4F62D03-ED73-4A7D-82C9-310E7CD68214}"/>
+                <a16:creationId xmlns:a16="http://schemas.microsoft.com/office/drawing/2014/main" id="{C8C36B0C-1FF3-4A7C-B24F-7D88ACBB2CC1}"/>
               </a:ext>
             </a:extLst>
           </p:cNvPr>
@@ -4713,7 +4510,7 @@
           <a:p>
             <a:fld id="{019E29B9-5584-4737-9C98-1B926378C778}" type="datetime1">
               <a:rPr lang="en-US" smtClean="0"/>
-              <a:t>12/6/2021</a:t>
+              <a:t>1/2/2022</a:t>
             </a:fld>
             <a:endParaRPr lang="da-DK"/>
           </a:p>
@@ -4724,7 +4521,7 @@
           <p:cNvPr id="5" name="Footer Placeholder 4">
             <a:extLst>
               <a:ext uri="{FF2B5EF4-FFF2-40B4-BE49-F238E27FC236}">
-                <a16:creationId xmlns:a16="http://schemas.microsoft.com/office/drawing/2014/main" id="{882E1898-21D0-4D32-AC7E-7147EC819B48}"/>
+                <a16:creationId xmlns:a16="http://schemas.microsoft.com/office/drawing/2014/main" id="{08F6832D-A8A4-4B07-B32E-AEEC2306A8A5}"/>
               </a:ext>
             </a:extLst>
           </p:cNvPr>
@@ -4752,7 +4549,7 @@
           <p:cNvPr id="6" name="Slide Number Placeholder 5">
             <a:extLst>
               <a:ext uri="{FF2B5EF4-FFF2-40B4-BE49-F238E27FC236}">
-                <a16:creationId xmlns:a16="http://schemas.microsoft.com/office/drawing/2014/main" id="{203FFC39-1575-4AB1-B35D-785402D7079A}"/>
+                <a16:creationId xmlns:a16="http://schemas.microsoft.com/office/drawing/2014/main" id="{66F3680D-A2D0-4798-A435-405C34F8B3ED}"/>
               </a:ext>
             </a:extLst>
           </p:cNvPr>
@@ -4776,46 +4573,10 @@
           </a:p>
         </p:txBody>
       </p:sp>
-      <p:pic>
-        <p:nvPicPr>
-          <p:cNvPr id="11" name="Picture 10" descr="Graphical user interface&#10;&#10;Description automatically generated">
-            <a:extLst>
-              <a:ext uri="{FF2B5EF4-FFF2-40B4-BE49-F238E27FC236}">
-                <a16:creationId xmlns:a16="http://schemas.microsoft.com/office/drawing/2014/main" id="{7DCD2D64-6BD2-407A-9576-4EF84BE5F72B}"/>
-              </a:ext>
-            </a:extLst>
-          </p:cNvPr>
-          <p:cNvPicPr>
-            <a:picLocks noChangeAspect="1"/>
-          </p:cNvPicPr>
-          <p:nvPr/>
-        </p:nvPicPr>
-        <p:blipFill>
-          <a:blip r:embed="rId2">
-            <a:extLst>
-              <a:ext uri="{28A0092B-C50C-407E-A947-70E740481C1C}">
-                <a14:useLocalDpi xmlns:a14="http://schemas.microsoft.com/office/drawing/2010/main" val="0"/>
-              </a:ext>
-            </a:extLst>
-          </a:blip>
-          <a:stretch>
-            <a:fillRect/>
-          </a:stretch>
-        </p:blipFill>
-        <p:spPr>
-          <a:xfrm>
-            <a:off x="4652924" y="879280"/>
-            <a:ext cx="6304497" cy="5477070"/>
-          </a:xfrm>
-          <a:prstGeom prst="rect">
-            <a:avLst/>
-          </a:prstGeom>
-        </p:spPr>
-      </p:pic>
     </p:spTree>
     <p:extLst>
       <p:ext uri="{BB962C8B-B14F-4D97-AF65-F5344CB8AC3E}">
-        <p14:creationId xmlns:p14="http://schemas.microsoft.com/office/powerpoint/2010/main" val="3608753248"/>
+        <p14:creationId xmlns:p14="http://schemas.microsoft.com/office/powerpoint/2010/main" val="2060902751"/>
       </p:ext>
     </p:extLst>
   </p:cSld>
@@ -4847,7 +4608,7 @@
           <p:cNvPr id="2" name="Title 1">
             <a:extLst>
               <a:ext uri="{FF2B5EF4-FFF2-40B4-BE49-F238E27FC236}">
-                <a16:creationId xmlns:a16="http://schemas.microsoft.com/office/drawing/2014/main" id="{C05B36BC-3113-4CDC-96A0-4FEA73123AA1}"/>
+                <a16:creationId xmlns:a16="http://schemas.microsoft.com/office/drawing/2014/main" id="{3E5AFD78-B74C-4FDA-958C-DF0ACE3A6704}"/>
               </a:ext>
             </a:extLst>
           </p:cNvPr>
@@ -4865,8 +4626,9 @@
           <a:p>
             <a:r>
               <a:rPr lang="da-DK" dirty="0"/>
-              <a:t>Course settings</a:t>
-            </a:r>
+              <a:t>Course webpage</a:t>
+            </a:r>
+            <a:endParaRPr lang="en-US" dirty="0"/>
           </a:p>
         </p:txBody>
       </p:sp>
@@ -4875,7 +4637,7 @@
           <p:cNvPr id="3" name="Content Placeholder 2">
             <a:extLst>
               <a:ext uri="{FF2B5EF4-FFF2-40B4-BE49-F238E27FC236}">
-                <a16:creationId xmlns:a16="http://schemas.microsoft.com/office/drawing/2014/main" id="{34D039C6-9870-4251-A8E1-AE19834E1076}"/>
+                <a16:creationId xmlns:a16="http://schemas.microsoft.com/office/drawing/2014/main" id="{8B8692AC-5B63-44CB-93D0-193493597202}"/>
               </a:ext>
             </a:extLst>
           </p:cNvPr>
@@ -4886,71 +4648,64 @@
             <p:ph idx="1"/>
           </p:nvPr>
         </p:nvSpPr>
-        <p:spPr/>
+        <p:spPr>
+          <a:xfrm>
+            <a:off x="838200" y="1343608"/>
+            <a:ext cx="5185813" cy="4833355"/>
+          </a:xfrm>
+        </p:spPr>
         <p:txBody>
           <a:bodyPr>
-            <a:normAutofit lnSpcReduction="10000"/>
+            <a:normAutofit/>
           </a:bodyPr>
           <a:lstStyle/>
           <a:p>
-            <a:r>
-              <a:rPr lang="en-US" dirty="0"/>
-              <a:t>5 ECTS</a:t>
-            </a:r>
-          </a:p>
-          <a:p>
-            <a:r>
-              <a:rPr lang="en-US" dirty="0"/>
-              <a:t>3 weeks period</a:t>
-            </a:r>
-          </a:p>
-          <a:p>
-            <a:r>
-              <a:rPr lang="en-US" dirty="0"/>
-              <a:t>Level: Master</a:t>
-            </a:r>
-          </a:p>
-          <a:p>
-            <a:r>
-              <a:rPr lang="en-US" dirty="0"/>
-              <a:t>Grade: Pass/not passed</a:t>
-            </a:r>
-          </a:p>
-          <a:p>
-            <a:r>
-              <a:rPr lang="en-US" dirty="0"/>
-              <a:t>Type of assessment: weekly project updates + final oral examination/presentation</a:t>
-            </a:r>
-          </a:p>
-          <a:p>
-            <a:r>
-              <a:rPr lang="en-US" dirty="0"/>
-              <a:t>Recommended prerequisites: 02456 (Deep Learning) or</a:t>
-            </a:r>
-          </a:p>
-          <a:p>
-            <a:pPr lvl="1"/>
-            <a:r>
-              <a:rPr lang="en-US" dirty="0"/>
-              <a:t>General understanding of machine learning (datasets, probability, classifiers, overfitting etc..) and </a:t>
-            </a:r>
-          </a:p>
-          <a:p>
-            <a:pPr lvl="1"/>
-            <a:r>
-              <a:rPr lang="en-US" dirty="0"/>
-              <a:t>Basic knowledge about deep learning (backpropagation, convolutional neural network, auto-encoders etc..)</a:t>
-            </a:r>
-          </a:p>
-          <a:p>
-            <a:pPr lvl="1"/>
-            <a:r>
-              <a:rPr lang="en-US" dirty="0"/>
-              <a:t>Coding in Pytorch</a:t>
-            </a:r>
-          </a:p>
-          <a:p>
-            <a:endParaRPr lang="da-DK" dirty="0"/>
+            <a:pPr marL="0" indent="0">
+              <a:buNone/>
+            </a:pPr>
+            <a:r>
+              <a:rPr lang="en-US" sz="2400" dirty="0"/>
+              <a:t>Webpage with lectures + exercises:</a:t>
+            </a:r>
+          </a:p>
+          <a:p>
+            <a:pPr marL="0" indent="0">
+              <a:buNone/>
+            </a:pPr>
+            <a:r>
+              <a:rPr lang="en-US" sz="2400" dirty="0">
+                <a:hlinkClick r:id="rId2"/>
+              </a:rPr>
+              <a:t>https://skaftenicki.github.io/dtu_mlops/</a:t>
+            </a:r>
+            <a:endParaRPr lang="en-US" sz="2400" dirty="0"/>
+          </a:p>
+          <a:p>
+            <a:pPr marL="0" indent="0">
+              <a:buNone/>
+            </a:pPr>
+            <a:endParaRPr lang="en-US" sz="2400" dirty="0"/>
+          </a:p>
+          <a:p>
+            <a:pPr marL="0" indent="0">
+              <a:buNone/>
+            </a:pPr>
+            <a:r>
+              <a:rPr lang="en-US" sz="2400" dirty="0"/>
+              <a:t>Join slack for communication:</a:t>
+            </a:r>
+          </a:p>
+          <a:p>
+            <a:pPr marL="0" indent="0">
+              <a:buNone/>
+            </a:pPr>
+            <a:r>
+              <a:rPr lang="en-US" sz="2400" dirty="0">
+                <a:hlinkClick r:id="rId3"/>
+              </a:rPr>
+              <a:t>https://join.slack.com/t/slack-ddr8461/shared_invite/zt-qzk7ho8z-1tBT_SkkkxtpgMU8x197pg</a:t>
+            </a:r>
+            <a:endParaRPr lang="en-US" sz="3600" dirty="0"/>
           </a:p>
         </p:txBody>
       </p:sp>
@@ -4959,7 +4714,7 @@
           <p:cNvPr id="4" name="Date Placeholder 3">
             <a:extLst>
               <a:ext uri="{FF2B5EF4-FFF2-40B4-BE49-F238E27FC236}">
-                <a16:creationId xmlns:a16="http://schemas.microsoft.com/office/drawing/2014/main" id="{C8C36B0C-1FF3-4A7C-B24F-7D88ACBB2CC1}"/>
+                <a16:creationId xmlns:a16="http://schemas.microsoft.com/office/drawing/2014/main" id="{868E47A5-31D3-4C52-B332-16CF0558AC95}"/>
               </a:ext>
             </a:extLst>
           </p:cNvPr>
@@ -4977,7 +4732,7 @@
           <a:p>
             <a:fld id="{019E29B9-5584-4737-9C98-1B926378C778}" type="datetime1">
               <a:rPr lang="en-US" smtClean="0"/>
-              <a:t>12/6/2021</a:t>
+              <a:t>1/2/2022</a:t>
             </a:fld>
             <a:endParaRPr lang="da-DK"/>
           </a:p>
@@ -4988,7 +4743,7 @@
           <p:cNvPr id="5" name="Footer Placeholder 4">
             <a:extLst>
               <a:ext uri="{FF2B5EF4-FFF2-40B4-BE49-F238E27FC236}">
-                <a16:creationId xmlns:a16="http://schemas.microsoft.com/office/drawing/2014/main" id="{08F6832D-A8A4-4B07-B32E-AEEC2306A8A5}"/>
+                <a16:creationId xmlns:a16="http://schemas.microsoft.com/office/drawing/2014/main" id="{1D77275E-5ABA-4F3A-9335-B74666C95F12}"/>
               </a:ext>
             </a:extLst>
           </p:cNvPr>
@@ -5016,7 +4771,7 @@
           <p:cNvPr id="6" name="Slide Number Placeholder 5">
             <a:extLst>
               <a:ext uri="{FF2B5EF4-FFF2-40B4-BE49-F238E27FC236}">
-                <a16:creationId xmlns:a16="http://schemas.microsoft.com/office/drawing/2014/main" id="{66F3680D-A2D0-4798-A435-405C34F8B3ED}"/>
+                <a16:creationId xmlns:a16="http://schemas.microsoft.com/office/drawing/2014/main" id="{756CA081-609F-45EB-8B4F-D858D8BCBC52}"/>
               </a:ext>
             </a:extLst>
           </p:cNvPr>
@@ -5040,10 +4795,98 @@
           </a:p>
         </p:txBody>
       </p:sp>
+      <p:pic>
+        <p:nvPicPr>
+          <p:cNvPr id="9" name="Picture 8" descr="Graphical user interface&#10;&#10;Description automatically generated">
+            <a:extLst>
+              <a:ext uri="{FF2B5EF4-FFF2-40B4-BE49-F238E27FC236}">
+                <a16:creationId xmlns:a16="http://schemas.microsoft.com/office/drawing/2014/main" id="{BA15FB8E-257A-4104-82BC-1B079D5EA296}"/>
+              </a:ext>
+            </a:extLst>
+          </p:cNvPr>
+          <p:cNvPicPr>
+            <a:picLocks noChangeAspect="1"/>
+          </p:cNvPicPr>
+          <p:nvPr/>
+        </p:nvPicPr>
+        <p:blipFill>
+          <a:blip r:embed="rId4">
+            <a:extLst>
+              <a:ext uri="{28A0092B-C50C-407E-A947-70E740481C1C}">
+                <a14:useLocalDpi xmlns:a14="http://schemas.microsoft.com/office/drawing/2010/main" val="0"/>
+              </a:ext>
+            </a:extLst>
+          </a:blip>
+          <a:stretch>
+            <a:fillRect/>
+          </a:stretch>
+        </p:blipFill>
+        <p:spPr>
+          <a:xfrm>
+            <a:off x="6185095" y="1276014"/>
+            <a:ext cx="5428989" cy="4716467"/>
+          </a:xfrm>
+          <a:prstGeom prst="rect">
+            <a:avLst/>
+          </a:prstGeom>
+        </p:spPr>
+      </p:pic>
+      <p:sp>
+        <p:nvSpPr>
+          <p:cNvPr id="7" name="Rectangle 6">
+            <a:extLst>
+              <a:ext uri="{FF2B5EF4-FFF2-40B4-BE49-F238E27FC236}">
+                <a16:creationId xmlns:a16="http://schemas.microsoft.com/office/drawing/2014/main" id="{929E1580-8456-4086-B94D-F01BD4AE95CE}"/>
+              </a:ext>
+            </a:extLst>
+          </p:cNvPr>
+          <p:cNvSpPr/>
+          <p:nvPr/>
+        </p:nvSpPr>
+        <p:spPr>
+          <a:xfrm>
+            <a:off x="10422294" y="1276014"/>
+            <a:ext cx="1352872" cy="356843"/>
+          </a:xfrm>
+          <a:prstGeom prst="rect">
+            <a:avLst/>
+          </a:prstGeom>
+          <a:noFill/>
+          <a:ln w="38100">
+            <a:solidFill>
+              <a:schemeClr val="accent1"/>
+            </a:solidFill>
+          </a:ln>
+        </p:spPr>
+        <p:style>
+          <a:lnRef idx="2">
+            <a:schemeClr val="accent1">
+              <a:shade val="50000"/>
+            </a:schemeClr>
+          </a:lnRef>
+          <a:fillRef idx="1">
+            <a:schemeClr val="accent1"/>
+          </a:fillRef>
+          <a:effectRef idx="0">
+            <a:schemeClr val="accent1"/>
+          </a:effectRef>
+          <a:fontRef idx="minor">
+            <a:schemeClr val="lt1"/>
+          </a:fontRef>
+        </p:style>
+        <p:txBody>
+          <a:bodyPr rtlCol="0" anchor="ctr"/>
+          <a:lstStyle/>
+          <a:p>
+            <a:pPr algn="ctr"/>
+            <a:endParaRPr lang="en-US"/>
+          </a:p>
+        </p:txBody>
+      </p:sp>
     </p:spTree>
     <p:extLst>
       <p:ext uri="{BB962C8B-B14F-4D97-AF65-F5344CB8AC3E}">
-        <p14:creationId xmlns:p14="http://schemas.microsoft.com/office/powerpoint/2010/main" val="2060902751"/>
+        <p14:creationId xmlns:p14="http://schemas.microsoft.com/office/powerpoint/2010/main" val="839825449"/>
       </p:ext>
     </p:extLst>
   </p:cSld>
@@ -5075,7 +4918,7 @@
           <p:cNvPr id="2" name="Title 1">
             <a:extLst>
               <a:ext uri="{FF2B5EF4-FFF2-40B4-BE49-F238E27FC236}">
-                <a16:creationId xmlns:a16="http://schemas.microsoft.com/office/drawing/2014/main" id="{3E5AFD78-B74C-4FDA-958C-DF0ACE3A6704}"/>
+                <a16:creationId xmlns:a16="http://schemas.microsoft.com/office/drawing/2014/main" id="{CBD645AF-8CEA-41F9-AC2F-73738FE02D95}"/>
               </a:ext>
             </a:extLst>
           </p:cNvPr>
@@ -5093,86 +4936,8 @@
           <a:p>
             <a:r>
               <a:rPr lang="da-DK" dirty="0"/>
-              <a:t>Course webpage</a:t>
-            </a:r>
-            <a:endParaRPr lang="en-US" dirty="0"/>
-          </a:p>
-        </p:txBody>
-      </p:sp>
-      <p:sp>
-        <p:nvSpPr>
-          <p:cNvPr id="3" name="Content Placeholder 2">
-            <a:extLst>
-              <a:ext uri="{FF2B5EF4-FFF2-40B4-BE49-F238E27FC236}">
-                <a16:creationId xmlns:a16="http://schemas.microsoft.com/office/drawing/2014/main" id="{8B8692AC-5B63-44CB-93D0-193493597202}"/>
-              </a:ext>
-            </a:extLst>
-          </p:cNvPr>
-          <p:cNvSpPr>
-            <a:spLocks noGrp="1"/>
-          </p:cNvSpPr>
-          <p:nvPr>
-            <p:ph idx="1"/>
-          </p:nvPr>
-        </p:nvSpPr>
-        <p:spPr>
-          <a:xfrm>
-            <a:off x="838200" y="1343608"/>
-            <a:ext cx="5185813" cy="4833355"/>
-          </a:xfrm>
-        </p:spPr>
-        <p:txBody>
-          <a:bodyPr>
-            <a:normAutofit/>
-          </a:bodyPr>
-          <a:lstStyle/>
-          <a:p>
-            <a:pPr marL="0" indent="0">
-              <a:buNone/>
-            </a:pPr>
-            <a:r>
-              <a:rPr lang="en-US" sz="2400" dirty="0"/>
-              <a:t>Webpage with lectures + exercises:</a:t>
-            </a:r>
-          </a:p>
-          <a:p>
-            <a:pPr marL="0" indent="0">
-              <a:buNone/>
-            </a:pPr>
-            <a:r>
-              <a:rPr lang="en-US" sz="2400" dirty="0">
-                <a:hlinkClick r:id="rId2"/>
-              </a:rPr>
-              <a:t>https://skaftenicki.github.io/dtu_mlops/</a:t>
-            </a:r>
-            <a:endParaRPr lang="en-US" sz="2400" dirty="0"/>
-          </a:p>
-          <a:p>
-            <a:pPr marL="0" indent="0">
-              <a:buNone/>
-            </a:pPr>
-            <a:endParaRPr lang="en-US" sz="2400" dirty="0"/>
-          </a:p>
-          <a:p>
-            <a:pPr marL="0" indent="0">
-              <a:buNone/>
-            </a:pPr>
-            <a:r>
-              <a:rPr lang="en-US" sz="2400" dirty="0"/>
-              <a:t>Join slack for communication:</a:t>
-            </a:r>
-          </a:p>
-          <a:p>
-            <a:pPr marL="0" indent="0">
-              <a:buNone/>
-            </a:pPr>
-            <a:r>
-              <a:rPr lang="en-US" sz="2400" dirty="0">
-                <a:hlinkClick r:id="rId3"/>
-              </a:rPr>
-              <a:t>https://join.slack.com/t/slack-ddr8461/shared_invite/zt-qzk7ho8z-1tBT_SkkkxtpgMU8x197pg</a:t>
-            </a:r>
-            <a:endParaRPr lang="en-US" sz="3600" dirty="0"/>
+              <a:t>What is this course/What is it not</a:t>
+            </a:r>
           </a:p>
         </p:txBody>
       </p:sp>
@@ -5181,7 +4946,7 @@
           <p:cNvPr id="4" name="Date Placeholder 3">
             <a:extLst>
               <a:ext uri="{FF2B5EF4-FFF2-40B4-BE49-F238E27FC236}">
-                <a16:creationId xmlns:a16="http://schemas.microsoft.com/office/drawing/2014/main" id="{868E47A5-31D3-4C52-B332-16CF0558AC95}"/>
+                <a16:creationId xmlns:a16="http://schemas.microsoft.com/office/drawing/2014/main" id="{84A52050-865F-47FD-8F3E-9034316DD736}"/>
               </a:ext>
             </a:extLst>
           </p:cNvPr>
@@ -5199,7 +4964,7 @@
           <a:p>
             <a:fld id="{019E29B9-5584-4737-9C98-1B926378C778}" type="datetime1">
               <a:rPr lang="en-US" smtClean="0"/>
-              <a:t>12/6/2021</a:t>
+              <a:t>1/2/2022</a:t>
             </a:fld>
             <a:endParaRPr lang="da-DK"/>
           </a:p>
@@ -5210,7 +4975,7 @@
           <p:cNvPr id="5" name="Footer Placeholder 4">
             <a:extLst>
               <a:ext uri="{FF2B5EF4-FFF2-40B4-BE49-F238E27FC236}">
-                <a16:creationId xmlns:a16="http://schemas.microsoft.com/office/drawing/2014/main" id="{1D77275E-5ABA-4F3A-9335-B74666C95F12}"/>
+                <a16:creationId xmlns:a16="http://schemas.microsoft.com/office/drawing/2014/main" id="{8EA22393-BA0E-46FA-BAC8-2D4E3CF6CC12}"/>
               </a:ext>
             </a:extLst>
           </p:cNvPr>
@@ -5238,7 +5003,7 @@
           <p:cNvPr id="6" name="Slide Number Placeholder 5">
             <a:extLst>
               <a:ext uri="{FF2B5EF4-FFF2-40B4-BE49-F238E27FC236}">
-                <a16:creationId xmlns:a16="http://schemas.microsoft.com/office/drawing/2014/main" id="{756CA081-609F-45EB-8B4F-D858D8BCBC52}"/>
+                <a16:creationId xmlns:a16="http://schemas.microsoft.com/office/drawing/2014/main" id="{E5D0D7B1-034F-4C1B-B1B7-8AF14387CFE5}"/>
               </a:ext>
             </a:extLst>
           </p:cNvPr>
@@ -5262,40 +5027,134 @@
           </a:p>
         </p:txBody>
       </p:sp>
-      <p:pic>
-        <p:nvPicPr>
-          <p:cNvPr id="8" name="Picture 7">
-            <a:extLst>
-              <a:ext uri="{FF2B5EF4-FFF2-40B4-BE49-F238E27FC236}">
-                <a16:creationId xmlns:a16="http://schemas.microsoft.com/office/drawing/2014/main" id="{11836257-A141-427C-B548-672C938E377D}"/>
-              </a:ext>
-            </a:extLst>
-          </p:cNvPr>
-          <p:cNvPicPr>
-            <a:picLocks noChangeAspect="1"/>
-          </p:cNvPicPr>
-          <p:nvPr/>
-        </p:nvPicPr>
-        <p:blipFill>
-          <a:blip r:embed="rId4"/>
-          <a:stretch>
-            <a:fillRect/>
-          </a:stretch>
-        </p:blipFill>
-        <p:spPr>
-          <a:xfrm>
-            <a:off x="6017693" y="748750"/>
-            <a:ext cx="5185813" cy="5607600"/>
-          </a:xfrm>
-          <a:prstGeom prst="rect">
-            <a:avLst/>
-          </a:prstGeom>
-        </p:spPr>
-      </p:pic>
+      <p:sp>
+        <p:nvSpPr>
+          <p:cNvPr id="10" name="Content Placeholder 9">
+            <a:extLst>
+              <a:ext uri="{FF2B5EF4-FFF2-40B4-BE49-F238E27FC236}">
+                <a16:creationId xmlns:a16="http://schemas.microsoft.com/office/drawing/2014/main" id="{628D77B9-962D-4AA8-9903-972F0EF12FC1}"/>
+              </a:ext>
+            </a:extLst>
+          </p:cNvPr>
+          <p:cNvSpPr>
+            <a:spLocks noGrp="1"/>
+          </p:cNvSpPr>
+          <p:nvPr>
+            <p:ph idx="1"/>
+          </p:nvPr>
+        </p:nvSpPr>
+        <p:spPr/>
+        <p:txBody>
+          <a:bodyPr>
+            <a:normAutofit fontScale="92500"/>
+          </a:bodyPr>
+          <a:lstStyle/>
+          <a:p>
+            <a:r>
+              <a:rPr lang="en-US" dirty="0">
+                <a:solidFill>
+                  <a:schemeClr val="accent6"/>
+                </a:solidFill>
+              </a:rPr>
+              <a:t>What is this course:</a:t>
+            </a:r>
+          </a:p>
+          <a:p>
+            <a:pPr lvl="1"/>
+            <a:r>
+              <a:rPr lang="en-US" dirty="0">
+                <a:solidFill>
+                  <a:schemeClr val="accent6"/>
+                </a:solidFill>
+              </a:rPr>
+              <a:t>Introduce the student to a number of coding practices that will help them organization, scale, monitor and deploy machine learning models either in a research or production setting. To provide hands-on experience with a number of frameworks, both local and in the cloud, for doing large scale machine learning models.</a:t>
+            </a:r>
+          </a:p>
+          <a:p>
+            <a:pPr lvl="1"/>
+            <a:r>
+              <a:rPr lang="en-US" dirty="0">
+                <a:solidFill>
+                  <a:schemeClr val="accent6"/>
+                </a:solidFill>
+              </a:rPr>
+              <a:t>Keywords:</a:t>
+            </a:r>
+          </a:p>
+          <a:p>
+            <a:pPr lvl="2"/>
+            <a:r>
+              <a:rPr lang="en-US" dirty="0">
+                <a:solidFill>
+                  <a:schemeClr val="accent6"/>
+                </a:solidFill>
+              </a:rPr>
+              <a:t>Organization</a:t>
+            </a:r>
+          </a:p>
+          <a:p>
+            <a:pPr lvl="2"/>
+            <a:r>
+              <a:rPr lang="en-US" dirty="0">
+                <a:solidFill>
+                  <a:schemeClr val="accent6"/>
+                </a:solidFill>
+              </a:rPr>
+              <a:t>Scalability</a:t>
+            </a:r>
+          </a:p>
+          <a:p>
+            <a:pPr lvl="2"/>
+            <a:r>
+              <a:rPr lang="en-US" dirty="0">
+                <a:solidFill>
+                  <a:schemeClr val="accent6"/>
+                </a:solidFill>
+              </a:rPr>
+              <a:t>Reproducibility</a:t>
+            </a:r>
+          </a:p>
+          <a:p>
+            <a:pPr lvl="2"/>
+            <a:r>
+              <a:rPr lang="en-US" dirty="0">
+                <a:solidFill>
+                  <a:schemeClr val="accent6"/>
+                </a:solidFill>
+              </a:rPr>
+              <a:t>Hands-on experience</a:t>
+            </a:r>
+          </a:p>
+          <a:p>
+            <a:endParaRPr lang="da-DK" dirty="0"/>
+          </a:p>
+          <a:p>
+            <a:r>
+              <a:rPr lang="da-DK" dirty="0">
+                <a:solidFill>
+                  <a:srgbClr val="FF0000"/>
+                </a:solidFill>
+              </a:rPr>
+              <a:t>What this course is not:</a:t>
+            </a:r>
+          </a:p>
+          <a:p>
+            <a:pPr lvl="1"/>
+            <a:r>
+              <a:rPr lang="da-DK" dirty="0">
+                <a:solidFill>
+                  <a:srgbClr val="FF0000"/>
+                </a:solidFill>
+              </a:rPr>
+              <a:t>How deep learning models works (02456)</a:t>
+            </a:r>
+          </a:p>
+        </p:txBody>
+      </p:sp>
     </p:spTree>
     <p:extLst>
       <p:ext uri="{BB962C8B-B14F-4D97-AF65-F5344CB8AC3E}">
-        <p14:creationId xmlns:p14="http://schemas.microsoft.com/office/powerpoint/2010/main" val="839825449"/>
+        <p14:creationId xmlns:p14="http://schemas.microsoft.com/office/powerpoint/2010/main" val="2054814454"/>
       </p:ext>
     </p:extLst>
   </p:cSld>
@@ -5327,7 +5186,7 @@
           <p:cNvPr id="2" name="Title 1">
             <a:extLst>
               <a:ext uri="{FF2B5EF4-FFF2-40B4-BE49-F238E27FC236}">
-                <a16:creationId xmlns:a16="http://schemas.microsoft.com/office/drawing/2014/main" id="{CBD645AF-8CEA-41F9-AC2F-73738FE02D95}"/>
+                <a16:creationId xmlns:a16="http://schemas.microsoft.com/office/drawing/2014/main" id="{F1E711DA-65EA-4DE5-B30A-D8A698ECF6DC}"/>
               </a:ext>
             </a:extLst>
           </p:cNvPr>
@@ -5345,7 +5204,76 @@
           <a:p>
             <a:r>
               <a:rPr lang="da-DK" dirty="0"/>
-              <a:t>What is this course/What is it not</a:t>
+              <a:t>What do I expect from you</a:t>
+            </a:r>
+          </a:p>
+        </p:txBody>
+      </p:sp>
+      <p:sp>
+        <p:nvSpPr>
+          <p:cNvPr id="3" name="Content Placeholder 2">
+            <a:extLst>
+              <a:ext uri="{FF2B5EF4-FFF2-40B4-BE49-F238E27FC236}">
+                <a16:creationId xmlns:a16="http://schemas.microsoft.com/office/drawing/2014/main" id="{FFC6612C-48BD-4B00-AFE3-53AA7E6A6183}"/>
+              </a:ext>
+            </a:extLst>
+          </p:cNvPr>
+          <p:cNvSpPr>
+            <a:spLocks noGrp="1"/>
+          </p:cNvSpPr>
+          <p:nvPr>
+            <p:ph idx="1"/>
+          </p:nvPr>
+        </p:nvSpPr>
+        <p:spPr/>
+        <p:txBody>
+          <a:bodyPr>
+            <a:normAutofit lnSpcReduction="10000"/>
+          </a:bodyPr>
+          <a:lstStyle/>
+          <a:p>
+            <a:r>
+              <a:rPr lang="da-DK" dirty="0"/>
+              <a:t>Second iteration of this course</a:t>
+            </a:r>
+          </a:p>
+          <a:p>
+            <a:endParaRPr lang="da-DK" dirty="0"/>
+          </a:p>
+          <a:p>
+            <a:r>
+              <a:rPr lang="da-DK" dirty="0"/>
+              <a:t>This course is still in its development phase, meaning that the material may be suboptimal</a:t>
+            </a:r>
+          </a:p>
+          <a:p>
+            <a:endParaRPr lang="da-DK" dirty="0"/>
+          </a:p>
+          <a:p>
+            <a:r>
+              <a:rPr lang="da-DK" dirty="0"/>
+              <a:t>We provide lectures, exercises and guidence but encourage self-study </a:t>
+            </a:r>
+          </a:p>
+          <a:p>
+            <a:endParaRPr lang="da-DK" dirty="0"/>
+          </a:p>
+          <a:p>
+            <a:r>
+              <a:rPr lang="da-DK" dirty="0"/>
+              <a:t>Make sure to both explore and exploit it!</a:t>
+            </a:r>
+          </a:p>
+          <a:p>
+            <a:pPr marL="0" indent="0">
+              <a:buNone/>
+            </a:pPr>
+            <a:endParaRPr lang="da-DK" dirty="0"/>
+          </a:p>
+          <a:p>
+            <a:r>
+              <a:rPr lang="da-DK" dirty="0"/>
+              <a:t>Provide all the feedback you have, I can take it!</a:t>
             </a:r>
           </a:p>
         </p:txBody>
@@ -5355,7 +5283,7 @@
           <p:cNvPr id="4" name="Date Placeholder 3">
             <a:extLst>
               <a:ext uri="{FF2B5EF4-FFF2-40B4-BE49-F238E27FC236}">
-                <a16:creationId xmlns:a16="http://schemas.microsoft.com/office/drawing/2014/main" id="{84A52050-865F-47FD-8F3E-9034316DD736}"/>
+                <a16:creationId xmlns:a16="http://schemas.microsoft.com/office/drawing/2014/main" id="{2BD9C627-2F34-4D1C-87F3-E7F58EFCEC2D}"/>
               </a:ext>
             </a:extLst>
           </p:cNvPr>
@@ -5373,7 +5301,7 @@
           <a:p>
             <a:fld id="{019E29B9-5584-4737-9C98-1B926378C778}" type="datetime1">
               <a:rPr lang="en-US" smtClean="0"/>
-              <a:t>12/6/2021</a:t>
+              <a:t>1/2/2022</a:t>
             </a:fld>
             <a:endParaRPr lang="da-DK"/>
           </a:p>
@@ -5384,7 +5312,7 @@
           <p:cNvPr id="5" name="Footer Placeholder 4">
             <a:extLst>
               <a:ext uri="{FF2B5EF4-FFF2-40B4-BE49-F238E27FC236}">
-                <a16:creationId xmlns:a16="http://schemas.microsoft.com/office/drawing/2014/main" id="{8EA22393-BA0E-46FA-BAC8-2D4E3CF6CC12}"/>
+                <a16:creationId xmlns:a16="http://schemas.microsoft.com/office/drawing/2014/main" id="{61DC04A8-645A-4ECE-B434-67886C0DC519}"/>
               </a:ext>
             </a:extLst>
           </p:cNvPr>
@@ -5412,7 +5340,7 @@
           <p:cNvPr id="6" name="Slide Number Placeholder 5">
             <a:extLst>
               <a:ext uri="{FF2B5EF4-FFF2-40B4-BE49-F238E27FC236}">
-                <a16:creationId xmlns:a16="http://schemas.microsoft.com/office/drawing/2014/main" id="{E5D0D7B1-034F-4C1B-B1B7-8AF14387CFE5}"/>
+                <a16:creationId xmlns:a16="http://schemas.microsoft.com/office/drawing/2014/main" id="{57A03625-D8B0-414F-9AE3-07CFC95F9E06}"/>
               </a:ext>
             </a:extLst>
           </p:cNvPr>
@@ -5431,349 +5359,6 @@
             <a:fld id="{F6FEDE24-D50C-481B-A7B4-8AF13899101A}" type="slidenum">
               <a:rPr lang="da-DK" smtClean="0"/>
               <a:t>6</a:t>
-            </a:fld>
-            <a:endParaRPr lang="da-DK"/>
-          </a:p>
-        </p:txBody>
-      </p:sp>
-      <p:sp>
-        <p:nvSpPr>
-          <p:cNvPr id="10" name="Content Placeholder 9">
-            <a:extLst>
-              <a:ext uri="{FF2B5EF4-FFF2-40B4-BE49-F238E27FC236}">
-                <a16:creationId xmlns:a16="http://schemas.microsoft.com/office/drawing/2014/main" id="{628D77B9-962D-4AA8-9903-972F0EF12FC1}"/>
-              </a:ext>
-            </a:extLst>
-          </p:cNvPr>
-          <p:cNvSpPr>
-            <a:spLocks noGrp="1"/>
-          </p:cNvSpPr>
-          <p:nvPr>
-            <p:ph idx="1"/>
-          </p:nvPr>
-        </p:nvSpPr>
-        <p:spPr/>
-        <p:txBody>
-          <a:bodyPr>
-            <a:normAutofit fontScale="92500"/>
-          </a:bodyPr>
-          <a:lstStyle/>
-          <a:p>
-            <a:r>
-              <a:rPr lang="en-US" dirty="0">
-                <a:solidFill>
-                  <a:schemeClr val="accent6"/>
-                </a:solidFill>
-              </a:rPr>
-              <a:t>What is this course:</a:t>
-            </a:r>
-          </a:p>
-          <a:p>
-            <a:pPr lvl="1"/>
-            <a:r>
-              <a:rPr lang="en-US" dirty="0">
-                <a:solidFill>
-                  <a:schemeClr val="accent6"/>
-                </a:solidFill>
-              </a:rPr>
-              <a:t>Introduce the student to a number of coding practices that will help them organization, scale, monitor and deploy machine learning models either in a research or production setting. To provide hands-on experience with a number of frameworks, both local and in the cloud, for doing large scale machine learning models.</a:t>
-            </a:r>
-          </a:p>
-          <a:p>
-            <a:pPr lvl="1"/>
-            <a:r>
-              <a:rPr lang="en-US" dirty="0">
-                <a:solidFill>
-                  <a:schemeClr val="accent6"/>
-                </a:solidFill>
-              </a:rPr>
-              <a:t>Keywords:</a:t>
-            </a:r>
-          </a:p>
-          <a:p>
-            <a:pPr lvl="2"/>
-            <a:r>
-              <a:rPr lang="en-US" dirty="0">
-                <a:solidFill>
-                  <a:schemeClr val="accent6"/>
-                </a:solidFill>
-              </a:rPr>
-              <a:t>Organization</a:t>
-            </a:r>
-          </a:p>
-          <a:p>
-            <a:pPr lvl="2"/>
-            <a:r>
-              <a:rPr lang="en-US" dirty="0">
-                <a:solidFill>
-                  <a:schemeClr val="accent6"/>
-                </a:solidFill>
-              </a:rPr>
-              <a:t>Scalability</a:t>
-            </a:r>
-          </a:p>
-          <a:p>
-            <a:pPr lvl="2"/>
-            <a:r>
-              <a:rPr lang="en-US" dirty="0">
-                <a:solidFill>
-                  <a:schemeClr val="accent6"/>
-                </a:solidFill>
-              </a:rPr>
-              <a:t>Reproducibility</a:t>
-            </a:r>
-          </a:p>
-          <a:p>
-            <a:pPr lvl="2"/>
-            <a:r>
-              <a:rPr lang="en-US" dirty="0">
-                <a:solidFill>
-                  <a:schemeClr val="accent6"/>
-                </a:solidFill>
-              </a:rPr>
-              <a:t>Hands-on experience</a:t>
-            </a:r>
-          </a:p>
-          <a:p>
-            <a:endParaRPr lang="da-DK" dirty="0"/>
-          </a:p>
-          <a:p>
-            <a:r>
-              <a:rPr lang="da-DK" dirty="0">
-                <a:solidFill>
-                  <a:srgbClr val="FF0000"/>
-                </a:solidFill>
-              </a:rPr>
-              <a:t>What this course is not:</a:t>
-            </a:r>
-          </a:p>
-          <a:p>
-            <a:pPr lvl="1"/>
-            <a:r>
-              <a:rPr lang="da-DK" dirty="0">
-                <a:solidFill>
-                  <a:srgbClr val="FF0000"/>
-                </a:solidFill>
-              </a:rPr>
-              <a:t>How deep learning models works (02456)</a:t>
-            </a:r>
-          </a:p>
-        </p:txBody>
-      </p:sp>
-    </p:spTree>
-    <p:extLst>
-      <p:ext uri="{BB962C8B-B14F-4D97-AF65-F5344CB8AC3E}">
-        <p14:creationId xmlns:p14="http://schemas.microsoft.com/office/powerpoint/2010/main" val="2054814454"/>
-      </p:ext>
-    </p:extLst>
-  </p:cSld>
-  <p:clrMapOvr>
-    <a:masterClrMapping/>
-  </p:clrMapOvr>
-</p:sld>
-</file>
-
-<file path=ppt/slides/slide7.xml><?xml version="1.0" encoding="utf-8"?>
-<p:sld xmlns:a="http://schemas.openxmlformats.org/drawingml/2006/main" xmlns:r="http://schemas.openxmlformats.org/officeDocument/2006/relationships" xmlns:p="http://schemas.openxmlformats.org/presentationml/2006/main">
-  <p:cSld>
-    <p:spTree>
-      <p:nvGrpSpPr>
-        <p:cNvPr id="1" name=""/>
-        <p:cNvGrpSpPr/>
-        <p:nvPr/>
-      </p:nvGrpSpPr>
-      <p:grpSpPr>
-        <a:xfrm>
-          <a:off x="0" y="0"/>
-          <a:ext cx="0" cy="0"/>
-          <a:chOff x="0" y="0"/>
-          <a:chExt cx="0" cy="0"/>
-        </a:xfrm>
-      </p:grpSpPr>
-      <p:sp>
-        <p:nvSpPr>
-          <p:cNvPr id="2" name="Title 1">
-            <a:extLst>
-              <a:ext uri="{FF2B5EF4-FFF2-40B4-BE49-F238E27FC236}">
-                <a16:creationId xmlns:a16="http://schemas.microsoft.com/office/drawing/2014/main" id="{F1E711DA-65EA-4DE5-B30A-D8A698ECF6DC}"/>
-              </a:ext>
-            </a:extLst>
-          </p:cNvPr>
-          <p:cNvSpPr>
-            <a:spLocks noGrp="1"/>
-          </p:cNvSpPr>
-          <p:nvPr>
-            <p:ph type="title"/>
-          </p:nvPr>
-        </p:nvSpPr>
-        <p:spPr/>
-        <p:txBody>
-          <a:bodyPr/>
-          <a:lstStyle/>
-          <a:p>
-            <a:r>
-              <a:rPr lang="da-DK" dirty="0"/>
-              <a:t>What do I expect from you</a:t>
-            </a:r>
-          </a:p>
-        </p:txBody>
-      </p:sp>
-      <p:sp>
-        <p:nvSpPr>
-          <p:cNvPr id="3" name="Content Placeholder 2">
-            <a:extLst>
-              <a:ext uri="{FF2B5EF4-FFF2-40B4-BE49-F238E27FC236}">
-                <a16:creationId xmlns:a16="http://schemas.microsoft.com/office/drawing/2014/main" id="{FFC6612C-48BD-4B00-AFE3-53AA7E6A6183}"/>
-              </a:ext>
-            </a:extLst>
-          </p:cNvPr>
-          <p:cNvSpPr>
-            <a:spLocks noGrp="1"/>
-          </p:cNvSpPr>
-          <p:nvPr>
-            <p:ph idx="1"/>
-          </p:nvPr>
-        </p:nvSpPr>
-        <p:spPr/>
-        <p:txBody>
-          <a:bodyPr>
-            <a:normAutofit fontScale="85000" lnSpcReduction="20000"/>
-          </a:bodyPr>
-          <a:lstStyle/>
-          <a:p>
-            <a:r>
-              <a:rPr lang="da-DK" dirty="0"/>
-              <a:t>Second iteration of this course</a:t>
-            </a:r>
-          </a:p>
-          <a:p>
-            <a:endParaRPr lang="da-DK" dirty="0"/>
-          </a:p>
-          <a:p>
-            <a:r>
-              <a:rPr lang="da-DK" dirty="0"/>
-              <a:t>This course is still in its development phase, meaning that the material may be suboptimal</a:t>
-            </a:r>
-          </a:p>
-          <a:p>
-            <a:endParaRPr lang="da-DK" dirty="0"/>
-          </a:p>
-          <a:p>
-            <a:r>
-              <a:rPr lang="da-DK" dirty="0"/>
-              <a:t>We provide lectures, exercises and guidence but encourage self-study </a:t>
-            </a:r>
-          </a:p>
-          <a:p>
-            <a:endParaRPr lang="da-DK" dirty="0"/>
-          </a:p>
-          <a:p>
-            <a:r>
-              <a:rPr lang="da-DK" dirty="0"/>
-              <a:t>Make sure to both explore and exploit it!</a:t>
-            </a:r>
-          </a:p>
-          <a:p>
-            <a:endParaRPr lang="da-DK" dirty="0"/>
-          </a:p>
-          <a:p>
-            <a:r>
-              <a:rPr lang="da-DK" dirty="0"/>
-              <a:t>Physical attentence is expected, but not required</a:t>
-            </a:r>
-          </a:p>
-          <a:p>
-            <a:endParaRPr lang="da-DK" dirty="0"/>
-          </a:p>
-          <a:p>
-            <a:r>
-              <a:rPr lang="da-DK" dirty="0"/>
-              <a:t>Provide all the feedback you have, I can take it!</a:t>
-            </a:r>
-          </a:p>
-        </p:txBody>
-      </p:sp>
-      <p:sp>
-        <p:nvSpPr>
-          <p:cNvPr id="4" name="Date Placeholder 3">
-            <a:extLst>
-              <a:ext uri="{FF2B5EF4-FFF2-40B4-BE49-F238E27FC236}">
-                <a16:creationId xmlns:a16="http://schemas.microsoft.com/office/drawing/2014/main" id="{2BD9C627-2F34-4D1C-87F3-E7F58EFCEC2D}"/>
-              </a:ext>
-            </a:extLst>
-          </p:cNvPr>
-          <p:cNvSpPr>
-            <a:spLocks noGrp="1"/>
-          </p:cNvSpPr>
-          <p:nvPr>
-            <p:ph type="dt" sz="half" idx="10"/>
-          </p:nvPr>
-        </p:nvSpPr>
-        <p:spPr/>
-        <p:txBody>
-          <a:bodyPr/>
-          <a:lstStyle/>
-          <a:p>
-            <a:fld id="{019E29B9-5584-4737-9C98-1B926378C778}" type="datetime1">
-              <a:rPr lang="en-US" smtClean="0"/>
-              <a:t>12/6/2021</a:t>
-            </a:fld>
-            <a:endParaRPr lang="da-DK"/>
-          </a:p>
-        </p:txBody>
-      </p:sp>
-      <p:sp>
-        <p:nvSpPr>
-          <p:cNvPr id="5" name="Footer Placeholder 4">
-            <a:extLst>
-              <a:ext uri="{FF2B5EF4-FFF2-40B4-BE49-F238E27FC236}">
-                <a16:creationId xmlns:a16="http://schemas.microsoft.com/office/drawing/2014/main" id="{61DC04A8-645A-4ECE-B434-67886C0DC519}"/>
-              </a:ext>
-            </a:extLst>
-          </p:cNvPr>
-          <p:cNvSpPr>
-            <a:spLocks noGrp="1"/>
-          </p:cNvSpPr>
-          <p:nvPr>
-            <p:ph type="ftr" sz="quarter" idx="11"/>
-          </p:nvPr>
-        </p:nvSpPr>
-        <p:spPr/>
-        <p:txBody>
-          <a:bodyPr/>
-          <a:lstStyle/>
-          <a:p>
-            <a:r>
-              <a:rPr lang="da-DK"/>
-              <a:t>Nicki Skafte Detlefsen</a:t>
-            </a:r>
-          </a:p>
-        </p:txBody>
-      </p:sp>
-      <p:sp>
-        <p:nvSpPr>
-          <p:cNvPr id="6" name="Slide Number Placeholder 5">
-            <a:extLst>
-              <a:ext uri="{FF2B5EF4-FFF2-40B4-BE49-F238E27FC236}">
-                <a16:creationId xmlns:a16="http://schemas.microsoft.com/office/drawing/2014/main" id="{57A03625-D8B0-414F-9AE3-07CFC95F9E06}"/>
-              </a:ext>
-            </a:extLst>
-          </p:cNvPr>
-          <p:cNvSpPr>
-            <a:spLocks noGrp="1"/>
-          </p:cNvSpPr>
-          <p:nvPr>
-            <p:ph type="sldNum" sz="quarter" idx="12"/>
-          </p:nvPr>
-        </p:nvSpPr>
-        <p:spPr/>
-        <p:txBody>
-          <a:bodyPr/>
-          <a:lstStyle/>
-          <a:p>
-            <a:fld id="{F6FEDE24-D50C-481B-A7B4-8AF13899101A}" type="slidenum">
-              <a:rPr lang="da-DK" smtClean="0"/>
-              <a:t>7</a:t>
             </a:fld>
             <a:endParaRPr lang="da-DK"/>
           </a:p>
@@ -6125,6 +5710,257 @@
 </p:sld>
 </file>
 
+<file path=ppt/slides/slide7.xml><?xml version="1.0" encoding="utf-8"?>
+<p:sld xmlns:a="http://schemas.openxmlformats.org/drawingml/2006/main" xmlns:r="http://schemas.openxmlformats.org/officeDocument/2006/relationships" xmlns:p="http://schemas.openxmlformats.org/presentationml/2006/main">
+  <p:cSld>
+    <p:spTree>
+      <p:nvGrpSpPr>
+        <p:cNvPr id="1" name=""/>
+        <p:cNvGrpSpPr/>
+        <p:nvPr/>
+      </p:nvGrpSpPr>
+      <p:grpSpPr>
+        <a:xfrm>
+          <a:off x="0" y="0"/>
+          <a:ext cx="0" cy="0"/>
+          <a:chOff x="0" y="0"/>
+          <a:chExt cx="0" cy="0"/>
+        </a:xfrm>
+      </p:grpSpPr>
+      <p:sp>
+        <p:nvSpPr>
+          <p:cNvPr id="2" name="Title 1">
+            <a:extLst>
+              <a:ext uri="{FF2B5EF4-FFF2-40B4-BE49-F238E27FC236}">
+                <a16:creationId xmlns:a16="http://schemas.microsoft.com/office/drawing/2014/main" id="{E072038B-4A96-4287-ABE6-1016F73C2085}"/>
+              </a:ext>
+            </a:extLst>
+          </p:cNvPr>
+          <p:cNvSpPr>
+            <a:spLocks noGrp="1"/>
+          </p:cNvSpPr>
+          <p:nvPr>
+            <p:ph type="title"/>
+          </p:nvPr>
+        </p:nvSpPr>
+        <p:spPr/>
+        <p:txBody>
+          <a:bodyPr/>
+          <a:lstStyle/>
+          <a:p>
+            <a:r>
+              <a:rPr lang="da-DK" dirty="0"/>
+              <a:t>I typical day</a:t>
+            </a:r>
+            <a:endParaRPr lang="en-US" dirty="0"/>
+          </a:p>
+        </p:txBody>
+      </p:sp>
+      <p:sp>
+        <p:nvSpPr>
+          <p:cNvPr id="3" name="Content Placeholder 2">
+            <a:extLst>
+              <a:ext uri="{FF2B5EF4-FFF2-40B4-BE49-F238E27FC236}">
+                <a16:creationId xmlns:a16="http://schemas.microsoft.com/office/drawing/2014/main" id="{3FDA01AB-CE7C-4977-9056-BB171933EE06}"/>
+              </a:ext>
+            </a:extLst>
+          </p:cNvPr>
+          <p:cNvSpPr>
+            <a:spLocks noGrp="1"/>
+          </p:cNvSpPr>
+          <p:nvPr>
+            <p:ph idx="1"/>
+          </p:nvPr>
+        </p:nvSpPr>
+        <p:spPr/>
+        <p:txBody>
+          <a:bodyPr>
+            <a:normAutofit lnSpcReduction="10000"/>
+          </a:bodyPr>
+          <a:lstStyle/>
+          <a:p>
+            <a:r>
+              <a:rPr lang="da-DK" dirty="0"/>
+              <a:t>Exercise days:</a:t>
+            </a:r>
+          </a:p>
+          <a:p>
+            <a:pPr lvl="1"/>
+            <a:r>
+              <a:rPr lang="da-DK" dirty="0"/>
+              <a:t>Meet in at 9:00</a:t>
+            </a:r>
+          </a:p>
+          <a:p>
+            <a:pPr lvl="1"/>
+            <a:r>
+              <a:rPr lang="da-DK" dirty="0"/>
+              <a:t>Lecture for 15-30 mins</a:t>
+            </a:r>
+          </a:p>
+          <a:p>
+            <a:pPr lvl="2"/>
+            <a:r>
+              <a:rPr lang="en-US" dirty="0"/>
+              <a:t>I am still learning how to do lectures</a:t>
+            </a:r>
+          </a:p>
+          <a:p>
+            <a:pPr lvl="2"/>
+            <a:r>
+              <a:rPr lang="en-US" dirty="0"/>
+              <a:t>Lectures are not meant to give teach you anything, but provide some context to the topic of the day</a:t>
+            </a:r>
+          </a:p>
+          <a:p>
+            <a:pPr lvl="1"/>
+            <a:r>
+              <a:rPr lang="en-US" dirty="0"/>
+              <a:t>Exercises until 14:00 </a:t>
+            </a:r>
+          </a:p>
+          <a:p>
+            <a:pPr lvl="2"/>
+            <a:r>
+              <a:rPr lang="en-US" dirty="0"/>
+              <a:t>Remember to take a lunch break</a:t>
+            </a:r>
+          </a:p>
+          <a:p>
+            <a:pPr lvl="2"/>
+            <a:r>
+              <a:rPr lang="en-US" dirty="0"/>
+              <a:t>If you are not done at 14:00, you are still free to leave. Rooms are booked until 17:00. </a:t>
+            </a:r>
+          </a:p>
+          <a:p>
+            <a:r>
+              <a:rPr lang="en-US" dirty="0"/>
+              <a:t>Project days:</a:t>
+            </a:r>
+          </a:p>
+          <a:p>
+            <a:pPr lvl="1"/>
+            <a:r>
+              <a:rPr lang="en-US" dirty="0"/>
+              <a:t>Sometimes a small lecture or company presentation</a:t>
+            </a:r>
+          </a:p>
+          <a:p>
+            <a:pPr lvl="1"/>
+            <a:r>
+              <a:rPr lang="en-US" dirty="0"/>
+              <a:t>Rest of the day you decide</a:t>
+            </a:r>
+          </a:p>
+          <a:p>
+            <a:pPr lvl="1"/>
+            <a:r>
+              <a:rPr lang="en-US" dirty="0"/>
+              <a:t>Office hour</a:t>
+            </a:r>
+          </a:p>
+        </p:txBody>
+      </p:sp>
+      <p:sp>
+        <p:nvSpPr>
+          <p:cNvPr id="4" name="Date Placeholder 3">
+            <a:extLst>
+              <a:ext uri="{FF2B5EF4-FFF2-40B4-BE49-F238E27FC236}">
+                <a16:creationId xmlns:a16="http://schemas.microsoft.com/office/drawing/2014/main" id="{4EC524CF-442F-4AA2-90FF-728AFB1CE9A6}"/>
+              </a:ext>
+            </a:extLst>
+          </p:cNvPr>
+          <p:cNvSpPr>
+            <a:spLocks noGrp="1"/>
+          </p:cNvSpPr>
+          <p:nvPr>
+            <p:ph type="dt" sz="half" idx="10"/>
+          </p:nvPr>
+        </p:nvSpPr>
+        <p:spPr/>
+        <p:txBody>
+          <a:bodyPr/>
+          <a:lstStyle/>
+          <a:p>
+            <a:fld id="{019E29B9-5584-4737-9C98-1B926378C778}" type="datetime1">
+              <a:rPr lang="en-US" smtClean="0"/>
+              <a:t>1/2/2022</a:t>
+            </a:fld>
+            <a:endParaRPr lang="da-DK"/>
+          </a:p>
+        </p:txBody>
+      </p:sp>
+      <p:sp>
+        <p:nvSpPr>
+          <p:cNvPr id="5" name="Footer Placeholder 4">
+            <a:extLst>
+              <a:ext uri="{FF2B5EF4-FFF2-40B4-BE49-F238E27FC236}">
+                <a16:creationId xmlns:a16="http://schemas.microsoft.com/office/drawing/2014/main" id="{E4A1D600-CADE-4D08-BEEE-BF0E6CBE9CF4}"/>
+              </a:ext>
+            </a:extLst>
+          </p:cNvPr>
+          <p:cNvSpPr>
+            <a:spLocks noGrp="1"/>
+          </p:cNvSpPr>
+          <p:nvPr>
+            <p:ph type="ftr" sz="quarter" idx="11"/>
+          </p:nvPr>
+        </p:nvSpPr>
+        <p:spPr/>
+        <p:txBody>
+          <a:bodyPr/>
+          <a:lstStyle/>
+          <a:p>
+            <a:r>
+              <a:rPr lang="da-DK"/>
+              <a:t>Nicki Skafte Detlefsen</a:t>
+            </a:r>
+          </a:p>
+        </p:txBody>
+      </p:sp>
+      <p:sp>
+        <p:nvSpPr>
+          <p:cNvPr id="6" name="Slide Number Placeholder 5">
+            <a:extLst>
+              <a:ext uri="{FF2B5EF4-FFF2-40B4-BE49-F238E27FC236}">
+                <a16:creationId xmlns:a16="http://schemas.microsoft.com/office/drawing/2014/main" id="{1A5E92E8-DDE1-4FC9-B8FD-EF213025E03D}"/>
+              </a:ext>
+            </a:extLst>
+          </p:cNvPr>
+          <p:cNvSpPr>
+            <a:spLocks noGrp="1"/>
+          </p:cNvSpPr>
+          <p:nvPr>
+            <p:ph type="sldNum" sz="quarter" idx="12"/>
+          </p:nvPr>
+        </p:nvSpPr>
+        <p:spPr/>
+        <p:txBody>
+          <a:bodyPr/>
+          <a:lstStyle/>
+          <a:p>
+            <a:fld id="{F6FEDE24-D50C-481B-A7B4-8AF13899101A}" type="slidenum">
+              <a:rPr lang="da-DK" smtClean="0"/>
+              <a:t>7</a:t>
+            </a:fld>
+            <a:endParaRPr lang="da-DK"/>
+          </a:p>
+        </p:txBody>
+      </p:sp>
+    </p:spTree>
+    <p:extLst>
+      <p:ext uri="{BB962C8B-B14F-4D97-AF65-F5344CB8AC3E}">
+        <p14:creationId xmlns:p14="http://schemas.microsoft.com/office/powerpoint/2010/main" val="1145547062"/>
+      </p:ext>
+    </p:extLst>
+  </p:cSld>
+  <p:clrMapOvr>
+    <a:masterClrMapping/>
+  </p:clrMapOvr>
+</p:sld>
+</file>
+
 <file path=ppt/slides/slide8.xml><?xml version="1.0" encoding="utf-8"?>
 <p:sld xmlns:a="http://schemas.openxmlformats.org/drawingml/2006/main" xmlns:r="http://schemas.openxmlformats.org/officeDocument/2006/relationships" xmlns:p="http://schemas.openxmlformats.org/presentationml/2006/main">
   <p:cSld>
@@ -6147,7 +5983,7 @@
           <p:cNvPr id="2" name="Title 1">
             <a:extLst>
               <a:ext uri="{FF2B5EF4-FFF2-40B4-BE49-F238E27FC236}">
-                <a16:creationId xmlns:a16="http://schemas.microsoft.com/office/drawing/2014/main" id="{E072038B-4A96-4287-ABE6-1016F73C2085}"/>
+                <a16:creationId xmlns:a16="http://schemas.microsoft.com/office/drawing/2014/main" id="{48AD5C9D-A336-4175-BBD7-250D4C100B0E}"/>
               </a:ext>
             </a:extLst>
           </p:cNvPr>
@@ -6165,9 +6001,8 @@
           <a:p>
             <a:r>
               <a:rPr lang="da-DK" dirty="0"/>
-              <a:t>I typical day</a:t>
-            </a:r>
-            <a:endParaRPr lang="en-US" dirty="0"/>
+              <a:t>What I hope from this course</a:t>
+            </a:r>
           </a:p>
         </p:txBody>
       </p:sp>
@@ -6176,7 +6011,7 @@
           <p:cNvPr id="3" name="Content Placeholder 2">
             <a:extLst>
               <a:ext uri="{FF2B5EF4-FFF2-40B4-BE49-F238E27FC236}">
-                <a16:creationId xmlns:a16="http://schemas.microsoft.com/office/drawing/2014/main" id="{3FDA01AB-CE7C-4977-9056-BB171933EE06}"/>
+                <a16:creationId xmlns:a16="http://schemas.microsoft.com/office/drawing/2014/main" id="{5A714212-C9C5-4E5E-B6E2-7DA760FB4007}"/>
               </a:ext>
             </a:extLst>
           </p:cNvPr>
@@ -6189,91 +6024,28 @@
         </p:nvSpPr>
         <p:spPr/>
         <p:txBody>
-          <a:bodyPr>
-            <a:normAutofit lnSpcReduction="10000"/>
-          </a:bodyPr>
+          <a:bodyPr/>
           <a:lstStyle/>
           <a:p>
             <a:r>
               <a:rPr lang="da-DK" dirty="0"/>
-              <a:t>Exercise days:</a:t>
-            </a:r>
-          </a:p>
-          <a:p>
-            <a:pPr lvl="1"/>
+              <a:t>Have fun!</a:t>
+            </a:r>
+          </a:p>
+          <a:p>
             <a:r>
               <a:rPr lang="da-DK" dirty="0"/>
-              <a:t>Meet in at 9:00</a:t>
-            </a:r>
-          </a:p>
-          <a:p>
-            <a:pPr lvl="1"/>
+              <a:t>Playing around with the different frameworks</a:t>
+            </a:r>
+          </a:p>
+          <a:p>
             <a:r>
               <a:rPr lang="da-DK" dirty="0"/>
-              <a:t>Lecture for 15-30 mins</a:t>
-            </a:r>
-          </a:p>
-          <a:p>
-            <a:pPr lvl="2"/>
-            <a:r>
-              <a:rPr lang="en-US" dirty="0"/>
-              <a:t>I am still learning how to do lectures</a:t>
-            </a:r>
-          </a:p>
-          <a:p>
-            <a:pPr lvl="2"/>
-            <a:r>
-              <a:rPr lang="en-US" dirty="0"/>
-              <a:t>Lectures are not meant to give teach you anything, but provide some context to the topic of the day</a:t>
-            </a:r>
-          </a:p>
-          <a:p>
-            <a:pPr lvl="1"/>
-            <a:r>
-              <a:rPr lang="en-US" dirty="0"/>
-              <a:t>Exercises until 14:00 </a:t>
-            </a:r>
-          </a:p>
-          <a:p>
-            <a:pPr lvl="2"/>
-            <a:r>
-              <a:rPr lang="en-US" dirty="0"/>
-              <a:t>Remember to take a lunch break</a:t>
-            </a:r>
-          </a:p>
-          <a:p>
-            <a:pPr lvl="2"/>
-            <a:r>
-              <a:rPr lang="en-US" dirty="0"/>
-              <a:t>If you are not done at 14:00, you are still free to leave. Rooms are booked until 17:00. </a:t>
-            </a:r>
-          </a:p>
-          <a:p>
-            <a:r>
-              <a:rPr lang="en-US" dirty="0"/>
-              <a:t>Project days:</a:t>
-            </a:r>
-          </a:p>
-          <a:p>
-            <a:pPr lvl="1"/>
-            <a:r>
-              <a:rPr lang="en-US" dirty="0"/>
-              <a:t>Sometimes a small lecture or company presentation</a:t>
-            </a:r>
-          </a:p>
-          <a:p>
-            <a:pPr lvl="1"/>
-            <a:r>
-              <a:rPr lang="en-US" dirty="0"/>
-              <a:t>Rest of the day you decide</a:t>
-            </a:r>
-          </a:p>
-          <a:p>
-            <a:pPr lvl="1"/>
-            <a:r>
-              <a:rPr lang="en-US" dirty="0"/>
-              <a:t>Office hour</a:t>
-            </a:r>
+              <a:t>Maybe learn something along the way</a:t>
+            </a:r>
+          </a:p>
+          <a:p>
+            <a:endParaRPr lang="da-DK" dirty="0"/>
           </a:p>
         </p:txBody>
       </p:sp>
@@ -6282,7 +6054,7 @@
           <p:cNvPr id="4" name="Date Placeholder 3">
             <a:extLst>
               <a:ext uri="{FF2B5EF4-FFF2-40B4-BE49-F238E27FC236}">
-                <a16:creationId xmlns:a16="http://schemas.microsoft.com/office/drawing/2014/main" id="{4EC524CF-442F-4AA2-90FF-728AFB1CE9A6}"/>
+                <a16:creationId xmlns:a16="http://schemas.microsoft.com/office/drawing/2014/main" id="{9A28C272-D2F1-43E9-B720-BF76E7F5A6CB}"/>
               </a:ext>
             </a:extLst>
           </p:cNvPr>
@@ -6300,7 +6072,7 @@
           <a:p>
             <a:fld id="{019E29B9-5584-4737-9C98-1B926378C778}" type="datetime1">
               <a:rPr lang="en-US" smtClean="0"/>
-              <a:t>12/6/2021</a:t>
+              <a:t>1/2/2022</a:t>
             </a:fld>
             <a:endParaRPr lang="da-DK"/>
           </a:p>
@@ -6311,7 +6083,7 @@
           <p:cNvPr id="5" name="Footer Placeholder 4">
             <a:extLst>
               <a:ext uri="{FF2B5EF4-FFF2-40B4-BE49-F238E27FC236}">
-                <a16:creationId xmlns:a16="http://schemas.microsoft.com/office/drawing/2014/main" id="{E4A1D600-CADE-4D08-BEEE-BF0E6CBE9CF4}"/>
+                <a16:creationId xmlns:a16="http://schemas.microsoft.com/office/drawing/2014/main" id="{00FF9D94-0995-4FC0-8017-B5A5473D8455}"/>
               </a:ext>
             </a:extLst>
           </p:cNvPr>
@@ -6339,7 +6111,7 @@
           <p:cNvPr id="6" name="Slide Number Placeholder 5">
             <a:extLst>
               <a:ext uri="{FF2B5EF4-FFF2-40B4-BE49-F238E27FC236}">
-                <a16:creationId xmlns:a16="http://schemas.microsoft.com/office/drawing/2014/main" id="{1A5E92E8-DDE1-4FC9-B8FD-EF213025E03D}"/>
+                <a16:creationId xmlns:a16="http://schemas.microsoft.com/office/drawing/2014/main" id="{E69D3D1A-AD74-43F9-855F-204AAADD1D5B}"/>
               </a:ext>
             </a:extLst>
           </p:cNvPr>
@@ -6363,10 +6135,82 @@
           </a:p>
         </p:txBody>
       </p:sp>
+      <p:pic>
+        <p:nvPicPr>
+          <p:cNvPr id="10" name="Picture 9" descr="Text&#10;&#10;Description automatically generated">
+            <a:extLst>
+              <a:ext uri="{FF2B5EF4-FFF2-40B4-BE49-F238E27FC236}">
+                <a16:creationId xmlns:a16="http://schemas.microsoft.com/office/drawing/2014/main" id="{E5D700B5-0070-4043-955F-48585289ACD9}"/>
+              </a:ext>
+            </a:extLst>
+          </p:cNvPr>
+          <p:cNvPicPr>
+            <a:picLocks noChangeAspect="1"/>
+          </p:cNvPicPr>
+          <p:nvPr/>
+        </p:nvPicPr>
+        <p:blipFill>
+          <a:blip r:embed="rId2">
+            <a:extLst>
+              <a:ext uri="{28A0092B-C50C-407E-A947-70E740481C1C}">
+                <a14:useLocalDpi xmlns:a14="http://schemas.microsoft.com/office/drawing/2010/main" val="0"/>
+              </a:ext>
+            </a:extLst>
+          </a:blip>
+          <a:stretch>
+            <a:fillRect/>
+          </a:stretch>
+        </p:blipFill>
+        <p:spPr>
+          <a:xfrm>
+            <a:off x="8722257" y="1885950"/>
+            <a:ext cx="2888717" cy="4019550"/>
+          </a:xfrm>
+          <a:prstGeom prst="rect">
+            <a:avLst/>
+          </a:prstGeom>
+        </p:spPr>
+      </p:pic>
+      <p:pic>
+        <p:nvPicPr>
+          <p:cNvPr id="12" name="Picture 11" descr="A picture containing text, person&#10;&#10;Description automatically generated">
+            <a:extLst>
+              <a:ext uri="{FF2B5EF4-FFF2-40B4-BE49-F238E27FC236}">
+                <a16:creationId xmlns:a16="http://schemas.microsoft.com/office/drawing/2014/main" id="{42C76B51-AD8B-4C1F-92E4-F61168510C06}"/>
+              </a:ext>
+            </a:extLst>
+          </p:cNvPr>
+          <p:cNvPicPr>
+            <a:picLocks noChangeAspect="1"/>
+          </p:cNvPicPr>
+          <p:nvPr/>
+        </p:nvPicPr>
+        <p:blipFill>
+          <a:blip r:embed="rId3">
+            <a:extLst>
+              <a:ext uri="{28A0092B-C50C-407E-A947-70E740481C1C}">
+                <a14:useLocalDpi xmlns:a14="http://schemas.microsoft.com/office/drawing/2010/main" val="0"/>
+              </a:ext>
+            </a:extLst>
+          </a:blip>
+          <a:stretch>
+            <a:fillRect/>
+          </a:stretch>
+        </p:blipFill>
+        <p:spPr>
+          <a:xfrm>
+            <a:off x="2529218" y="2966570"/>
+            <a:ext cx="4984172" cy="3210393"/>
+          </a:xfrm>
+          <a:prstGeom prst="rect">
+            <a:avLst/>
+          </a:prstGeom>
+        </p:spPr>
+      </p:pic>
     </p:spTree>
     <p:extLst>
       <p:ext uri="{BB962C8B-B14F-4D97-AF65-F5344CB8AC3E}">
-        <p14:creationId xmlns:p14="http://schemas.microsoft.com/office/powerpoint/2010/main" val="1145547062"/>
+        <p14:creationId xmlns:p14="http://schemas.microsoft.com/office/powerpoint/2010/main" val="1496397183"/>
       </p:ext>
     </p:extLst>
   </p:cSld>
@@ -6398,7 +6242,7 @@
           <p:cNvPr id="2" name="Title 1">
             <a:extLst>
               <a:ext uri="{FF2B5EF4-FFF2-40B4-BE49-F238E27FC236}">
-                <a16:creationId xmlns:a16="http://schemas.microsoft.com/office/drawing/2014/main" id="{48AD5C9D-A336-4175-BBD7-250D4C100B0E}"/>
+                <a16:creationId xmlns:a16="http://schemas.microsoft.com/office/drawing/2014/main" id="{D5776909-332E-43EF-99CC-7D65F13E66F1}"/>
               </a:ext>
             </a:extLst>
           </p:cNvPr>
@@ -6416,8 +6260,9 @@
           <a:p>
             <a:r>
               <a:rPr lang="da-DK" dirty="0"/>
-              <a:t>What I hope from this course</a:t>
-            </a:r>
+              <a:t>A note on the projects</a:t>
+            </a:r>
+            <a:endParaRPr lang="en-US" dirty="0"/>
           </a:p>
         </p:txBody>
       </p:sp>
@@ -6426,7 +6271,7 @@
           <p:cNvPr id="3" name="Content Placeholder 2">
             <a:extLst>
               <a:ext uri="{FF2B5EF4-FFF2-40B4-BE49-F238E27FC236}">
-                <a16:creationId xmlns:a16="http://schemas.microsoft.com/office/drawing/2014/main" id="{5A714212-C9C5-4E5E-B6E2-7DA760FB4007}"/>
+                <a16:creationId xmlns:a16="http://schemas.microsoft.com/office/drawing/2014/main" id="{CCA389F8-7821-4546-BDF1-366DB5770C77}"/>
               </a:ext>
             </a:extLst>
           </p:cNvPr>
@@ -6444,24 +6289,71 @@
           <a:p>
             <a:r>
               <a:rPr lang="da-DK" dirty="0"/>
-              <a:t>Have fun!</a:t>
+              <a:t>Approxemately 1/3 of the course time is spend on project work</a:t>
             </a:r>
           </a:p>
           <a:p>
             <a:r>
               <a:rPr lang="da-DK" dirty="0"/>
-              <a:t>Playing around with the different frameworks</a:t>
-            </a:r>
+              <a:t>More info here:</a:t>
+            </a:r>
+          </a:p>
+          <a:p>
+            <a:pPr marL="457200" lvl="1" indent="0">
+              <a:buNone/>
+            </a:pPr>
+            <a:r>
+              <a:rPr lang="en-US" dirty="0">
+                <a:hlinkClick r:id="rId2"/>
+              </a:rPr>
+              <a:t>https://skaftenicki.github.io/dtu_mlops/projects</a:t>
+            </a:r>
+            <a:endParaRPr lang="da-DK" dirty="0"/>
+          </a:p>
+          <a:p>
+            <a:pPr marL="457200" lvl="1" indent="0">
+              <a:buNone/>
+            </a:pPr>
+            <a:endParaRPr lang="da-DK" dirty="0"/>
           </a:p>
           <a:p>
             <a:r>
               <a:rPr lang="da-DK" dirty="0"/>
-              <a:t>Maybe learn something along the way</a:t>
-            </a:r>
-          </a:p>
-          <a:p>
+              <a:t>Already now you are recommende to think about forming groups of</a:t>
+            </a:r>
+          </a:p>
+          <a:p>
+            <a:pPr lvl="1"/>
+            <a:r>
+              <a:rPr lang="da-DK" dirty="0"/>
+              <a:t>4 people</a:t>
+            </a:r>
+          </a:p>
+          <a:p>
+            <a:pPr lvl="1"/>
+            <a:r>
+              <a:rPr lang="da-DK" dirty="0"/>
+              <a:t>3 and 5 is also acceptable</a:t>
+            </a:r>
+          </a:p>
+          <a:p>
+            <a:pPr lvl="1"/>
             <a:endParaRPr lang="da-DK" dirty="0"/>
           </a:p>
+          <a:p>
+            <a:r>
+              <a:rPr lang="da-DK" dirty="0"/>
+              <a:t>Thursday we will do some speeddating to form groups for people not already having one. Also feel free to write in the </a:t>
+            </a:r>
+            <a:r>
+              <a:rPr lang="da-DK" i="1" dirty="0"/>
+              <a:t>#find-a-group </a:t>
+            </a:r>
+            <a:r>
+              <a:rPr lang="da-DK" dirty="0"/>
+              <a:t>slack channel.</a:t>
+            </a:r>
+          </a:p>
         </p:txBody>
       </p:sp>
       <p:sp>
@@ -6469,7 +6361,7 @@
           <p:cNvPr id="4" name="Date Placeholder 3">
             <a:extLst>
               <a:ext uri="{FF2B5EF4-FFF2-40B4-BE49-F238E27FC236}">
-                <a16:creationId xmlns:a16="http://schemas.microsoft.com/office/drawing/2014/main" id="{9A28C272-D2F1-43E9-B720-BF76E7F5A6CB}"/>
+                <a16:creationId xmlns:a16="http://schemas.microsoft.com/office/drawing/2014/main" id="{78B23B9D-E024-4494-A213-E5070EF86F30}"/>
               </a:ext>
             </a:extLst>
           </p:cNvPr>
@@ -6487,7 +6379,7 @@
           <a:p>
             <a:fld id="{019E29B9-5584-4737-9C98-1B926378C778}" type="datetime1">
               <a:rPr lang="en-US" smtClean="0"/>
-              <a:t>12/6/2021</a:t>
+              <a:t>1/2/2022</a:t>
             </a:fld>
             <a:endParaRPr lang="da-DK"/>
           </a:p>
@@ -6498,7 +6390,7 @@
           <p:cNvPr id="5" name="Footer Placeholder 4">
             <a:extLst>
               <a:ext uri="{FF2B5EF4-FFF2-40B4-BE49-F238E27FC236}">
-                <a16:creationId xmlns:a16="http://schemas.microsoft.com/office/drawing/2014/main" id="{00FF9D94-0995-4FC0-8017-B5A5473D8455}"/>
+                <a16:creationId xmlns:a16="http://schemas.microsoft.com/office/drawing/2014/main" id="{510AA177-8123-47FD-B589-349C1E2C0AF5}"/>
               </a:ext>
             </a:extLst>
           </p:cNvPr>
@@ -6526,7 +6418,7 @@
           <p:cNvPr id="6" name="Slide Number Placeholder 5">
             <a:extLst>
               <a:ext uri="{FF2B5EF4-FFF2-40B4-BE49-F238E27FC236}">
-                <a16:creationId xmlns:a16="http://schemas.microsoft.com/office/drawing/2014/main" id="{E69D3D1A-AD74-43F9-855F-204AAADD1D5B}"/>
+                <a16:creationId xmlns:a16="http://schemas.microsoft.com/office/drawing/2014/main" id="{55ED8A0C-70B7-415B-9708-0503B6F9BB30}"/>
               </a:ext>
             </a:extLst>
           </p:cNvPr>
@@ -6550,82 +6442,10 @@
           </a:p>
         </p:txBody>
       </p:sp>
-      <p:pic>
-        <p:nvPicPr>
-          <p:cNvPr id="10" name="Picture 9" descr="Text&#10;&#10;Description automatically generated">
-            <a:extLst>
-              <a:ext uri="{FF2B5EF4-FFF2-40B4-BE49-F238E27FC236}">
-                <a16:creationId xmlns:a16="http://schemas.microsoft.com/office/drawing/2014/main" id="{E5D700B5-0070-4043-955F-48585289ACD9}"/>
-              </a:ext>
-            </a:extLst>
-          </p:cNvPr>
-          <p:cNvPicPr>
-            <a:picLocks noChangeAspect="1"/>
-          </p:cNvPicPr>
-          <p:nvPr/>
-        </p:nvPicPr>
-        <p:blipFill>
-          <a:blip r:embed="rId2">
-            <a:extLst>
-              <a:ext uri="{28A0092B-C50C-407E-A947-70E740481C1C}">
-                <a14:useLocalDpi xmlns:a14="http://schemas.microsoft.com/office/drawing/2010/main" val="0"/>
-              </a:ext>
-            </a:extLst>
-          </a:blip>
-          <a:stretch>
-            <a:fillRect/>
-          </a:stretch>
-        </p:blipFill>
-        <p:spPr>
-          <a:xfrm>
-            <a:off x="8722257" y="1885950"/>
-            <a:ext cx="2888717" cy="4019550"/>
-          </a:xfrm>
-          <a:prstGeom prst="rect">
-            <a:avLst/>
-          </a:prstGeom>
-        </p:spPr>
-      </p:pic>
-      <p:pic>
-        <p:nvPicPr>
-          <p:cNvPr id="12" name="Picture 11" descr="A picture containing text, person&#10;&#10;Description automatically generated">
-            <a:extLst>
-              <a:ext uri="{FF2B5EF4-FFF2-40B4-BE49-F238E27FC236}">
-                <a16:creationId xmlns:a16="http://schemas.microsoft.com/office/drawing/2014/main" id="{42C76B51-AD8B-4C1F-92E4-F61168510C06}"/>
-              </a:ext>
-            </a:extLst>
-          </p:cNvPr>
-          <p:cNvPicPr>
-            <a:picLocks noChangeAspect="1"/>
-          </p:cNvPicPr>
-          <p:nvPr/>
-        </p:nvPicPr>
-        <p:blipFill>
-          <a:blip r:embed="rId3">
-            <a:extLst>
-              <a:ext uri="{28A0092B-C50C-407E-A947-70E740481C1C}">
-                <a14:useLocalDpi xmlns:a14="http://schemas.microsoft.com/office/drawing/2010/main" val="0"/>
-              </a:ext>
-            </a:extLst>
-          </a:blip>
-          <a:stretch>
-            <a:fillRect/>
-          </a:stretch>
-        </p:blipFill>
-        <p:spPr>
-          <a:xfrm>
-            <a:off x="2529218" y="2966570"/>
-            <a:ext cx="4984172" cy="3210393"/>
-          </a:xfrm>
-          <a:prstGeom prst="rect">
-            <a:avLst/>
-          </a:prstGeom>
-        </p:spPr>
-      </p:pic>
     </p:spTree>
     <p:extLst>
       <p:ext uri="{BB962C8B-B14F-4D97-AF65-F5344CB8AC3E}">
-        <p14:creationId xmlns:p14="http://schemas.microsoft.com/office/powerpoint/2010/main" val="1496397183"/>
+        <p14:creationId xmlns:p14="http://schemas.microsoft.com/office/powerpoint/2010/main" val="53792939"/>
       </p:ext>
     </p:extLst>
   </p:cSld>

--- a/s1_getting_started/lecture/course_intro.pptx
+++ b/s1_getting_started/lecture/course_intro.pptx
@@ -223,7 +223,7 @@
           <a:p>
             <a:fld id="{D75CAE95-D2DD-4998-876A-092BFD628C65}" type="datetimeFigureOut">
               <a:rPr lang="da-DK" smtClean="0"/>
-              <a:t>02-01-2022</a:t>
+              <a:t>03-01-2022</a:t>
             </a:fld>
             <a:endParaRPr lang="da-DK"/>
           </a:p>
@@ -401,7 +401,7 @@
           <a:p>
             <a:fld id="{1DA8E099-58AA-4136-B409-1CAD1943D842}" type="datetimeFigureOut">
               <a:rPr lang="da-DK" smtClean="0"/>
-              <a:t>02-01-2022</a:t>
+              <a:t>03-01-2022</a:t>
             </a:fld>
             <a:endParaRPr lang="da-DK"/>
           </a:p>
@@ -819,7 +819,7 @@
           <a:p>
             <a:fld id="{C85334AD-9960-4065-BF34-86ED0345A76D}" type="datetime1">
               <a:rPr lang="en-US" smtClean="0"/>
-              <a:t>1/2/2022</a:t>
+              <a:t>1/3/2022</a:t>
             </a:fld>
             <a:endParaRPr lang="da-DK"/>
           </a:p>
@@ -1058,7 +1058,7 @@
           <a:p>
             <a:fld id="{C5669758-3775-48D7-A841-693E908C3BF4}" type="datetime1">
               <a:rPr lang="en-US" smtClean="0"/>
-              <a:t>1/2/2022</a:t>
+              <a:t>1/3/2022</a:t>
             </a:fld>
             <a:endParaRPr lang="da-DK"/>
           </a:p>
@@ -1271,7 +1271,7 @@
           <a:p>
             <a:fld id="{1E0C3FF1-EDBD-4F2A-8366-34A4E3728310}" type="datetime1">
               <a:rPr lang="en-US" smtClean="0"/>
-              <a:t>1/2/2022</a:t>
+              <a:t>1/3/2022</a:t>
             </a:fld>
             <a:endParaRPr lang="da-DK"/>
           </a:p>
@@ -1492,7 +1492,7 @@
           <a:p>
             <a:fld id="{019E29B9-5584-4737-9C98-1B926378C778}" type="datetime1">
               <a:rPr lang="en-US" smtClean="0"/>
-              <a:t>1/2/2022</a:t>
+              <a:t>1/3/2022</a:t>
             </a:fld>
             <a:endParaRPr lang="da-DK"/>
           </a:p>
@@ -1807,7 +1807,7 @@
           <a:p>
             <a:fld id="{FCE38F03-F67D-4508-A858-99FCD085087C}" type="datetime1">
               <a:rPr lang="en-US" smtClean="0"/>
-              <a:t>1/2/2022</a:t>
+              <a:t>1/3/2022</a:t>
             </a:fld>
             <a:endParaRPr lang="da-DK"/>
           </a:p>
@@ -2078,7 +2078,7 @@
           <a:p>
             <a:fld id="{B43F2930-3FFD-4F93-A4BD-4F0D1A0B4514}" type="datetime1">
               <a:rPr lang="en-US" smtClean="0"/>
-              <a:t>1/2/2022</a:t>
+              <a:t>1/3/2022</a:t>
             </a:fld>
             <a:endParaRPr lang="da-DK"/>
           </a:p>
@@ -2496,7 +2496,7 @@
           <a:p>
             <a:fld id="{8E0F9B9B-30CC-4693-8E0F-1A94A979E2C5}" type="datetime1">
               <a:rPr lang="en-US" smtClean="0"/>
-              <a:t>1/2/2022</a:t>
+              <a:t>1/3/2022</a:t>
             </a:fld>
             <a:endParaRPr lang="da-DK"/>
           </a:p>
@@ -2641,7 +2641,7 @@
           <a:p>
             <a:fld id="{6FE1433B-E6A7-44FF-8B55-539471B4D7C5}" type="datetime1">
               <a:rPr lang="en-US" smtClean="0"/>
-              <a:t>1/2/2022</a:t>
+              <a:t>1/3/2022</a:t>
             </a:fld>
             <a:endParaRPr lang="da-DK"/>
           </a:p>
@@ -2757,7 +2757,7 @@
           <a:p>
             <a:fld id="{624F4001-6A8C-42DA-824F-B5CC1375B861}" type="datetime1">
               <a:rPr lang="en-US" smtClean="0"/>
-              <a:t>1/2/2022</a:t>
+              <a:t>1/3/2022</a:t>
             </a:fld>
             <a:endParaRPr lang="da-DK"/>
           </a:p>
@@ -3073,7 +3073,7 @@
           <a:p>
             <a:fld id="{2D3BE137-2C5E-4078-8BA2-7D42D7E67218}" type="datetime1">
               <a:rPr lang="en-US" smtClean="0"/>
-              <a:t>1/2/2022</a:t>
+              <a:t>1/3/2022</a:t>
             </a:fld>
             <a:endParaRPr lang="da-DK"/>
           </a:p>
@@ -3365,7 +3365,7 @@
           <a:p>
             <a:fld id="{0D1436FF-56D3-4E93-92E8-71121EAB120E}" type="datetime1">
               <a:rPr lang="en-US" smtClean="0"/>
-              <a:t>1/2/2022</a:t>
+              <a:t>1/3/2022</a:t>
             </a:fld>
             <a:endParaRPr lang="da-DK"/>
           </a:p>
@@ -3611,7 +3611,7 @@
           <a:p>
             <a:fld id="{16601EF2-4BCA-4009-ACCF-B97F259DEF6F}" type="datetime1">
               <a:rPr lang="en-US" smtClean="0"/>
-              <a:t>1/2/2022</a:t>
+              <a:t>1/3/2022</a:t>
             </a:fld>
             <a:endParaRPr lang="da-DK"/>
           </a:p>
@@ -4252,7 +4252,7 @@
           <a:p>
             <a:fld id="{019E29B9-5584-4737-9C98-1B926378C778}" type="datetime1">
               <a:rPr lang="en-US" smtClean="0"/>
-              <a:t>1/2/2022</a:t>
+              <a:t>1/3/2022</a:t>
             </a:fld>
             <a:endParaRPr lang="da-DK"/>
           </a:p>
@@ -4510,7 +4510,7 @@
           <a:p>
             <a:fld id="{019E29B9-5584-4737-9C98-1B926378C778}" type="datetime1">
               <a:rPr lang="en-US" smtClean="0"/>
-              <a:t>1/2/2022</a:t>
+              <a:t>1/3/2022</a:t>
             </a:fld>
             <a:endParaRPr lang="da-DK"/>
           </a:p>
@@ -4703,9 +4703,13 @@
               <a:rPr lang="en-US" sz="2400" dirty="0">
                 <a:hlinkClick r:id="rId3"/>
               </a:rPr>
-              <a:t>https://join.slack.com/t/slack-ddr8461/shared_invite/zt-qzk7ho8z-1tBT_SkkkxtpgMU8x197pg</a:t>
-            </a:r>
-            <a:endParaRPr lang="en-US" sz="3600" dirty="0"/>
+              <a:t>https://join.slack.com/t/dtumlops/shared_invite/zt-10vol1tec-TS5qcF_WqTxIpQc8PdTz9g</a:t>
+            </a:r>
+            <a:r>
+              <a:rPr lang="en-US" sz="2400" dirty="0"/>
+              <a:t> </a:t>
+            </a:r>
+            <a:endParaRPr lang="en-US" sz="4800" dirty="0"/>
           </a:p>
         </p:txBody>
       </p:sp>
@@ -4732,7 +4736,7 @@
           <a:p>
             <a:fld id="{019E29B9-5584-4737-9C98-1B926378C778}" type="datetime1">
               <a:rPr lang="en-US" smtClean="0"/>
-              <a:t>1/2/2022</a:t>
+              <a:t>1/3/2022</a:t>
             </a:fld>
             <a:endParaRPr lang="da-DK"/>
           </a:p>
@@ -4964,7 +4968,7 @@
           <a:p>
             <a:fld id="{019E29B9-5584-4737-9C98-1B926378C778}" type="datetime1">
               <a:rPr lang="en-US" smtClean="0"/>
-              <a:t>1/2/2022</a:t>
+              <a:t>1/3/2022</a:t>
             </a:fld>
             <a:endParaRPr lang="da-DK"/>
           </a:p>
@@ -5301,7 +5305,7 @@
           <a:p>
             <a:fld id="{019E29B9-5584-4737-9C98-1B926378C778}" type="datetime1">
               <a:rPr lang="en-US" smtClean="0"/>
-              <a:t>1/2/2022</a:t>
+              <a:t>1/3/2022</a:t>
             </a:fld>
             <a:endParaRPr lang="da-DK"/>
           </a:p>
@@ -5885,7 +5889,7 @@
           <a:p>
             <a:fld id="{019E29B9-5584-4737-9C98-1B926378C778}" type="datetime1">
               <a:rPr lang="en-US" smtClean="0"/>
-              <a:t>1/2/2022</a:t>
+              <a:t>1/3/2022</a:t>
             </a:fld>
             <a:endParaRPr lang="da-DK"/>
           </a:p>
@@ -6072,7 +6076,7 @@
           <a:p>
             <a:fld id="{019E29B9-5584-4737-9C98-1B926378C778}" type="datetime1">
               <a:rPr lang="en-US" smtClean="0"/>
-              <a:t>1/2/2022</a:t>
+              <a:t>1/3/2022</a:t>
             </a:fld>
             <a:endParaRPr lang="da-DK"/>
           </a:p>
@@ -6379,7 +6383,7 @@
           <a:p>
             <a:fld id="{019E29B9-5584-4737-9C98-1B926378C778}" type="datetime1">
               <a:rPr lang="en-US" smtClean="0"/>
-              <a:t>1/2/2022</a:t>
+              <a:t>1/3/2022</a:t>
             </a:fld>
             <a:endParaRPr lang="da-DK"/>
           </a:p>

--- a/s1_getting_started/lecture/course_intro.pptx
+++ b/s1_getting_started/lecture/course_intro.pptx
@@ -4097,7 +4097,7 @@
           <a:p>
             <a:r>
               <a:rPr lang="da-DK" dirty="0"/>
-              <a:t>Machine Learning Operations</a:t>
+              <a:t>02476 Machine Learning Operations</a:t>
             </a:r>
           </a:p>
           <a:p>
@@ -5382,7 +5382,7 @@
         </p:nvGrpSpPr>
         <p:grpSpPr>
           <a:xfrm>
-            <a:off x="7581301" y="3528251"/>
+            <a:off x="8149420" y="3947282"/>
             <a:ext cx="3273096" cy="2591630"/>
             <a:chOff x="3490565" y="2970737"/>
             <a:chExt cx="3273096" cy="2591630"/>
